--- a/docs/L8-db-stores.pptx
+++ b/docs/L8-db-stores.pptx
@@ -5,10 +5,10 @@
     <p:sldMasterId id="2147483673" r:id="rId1"/>
   </p:sldMasterIdLst>
   <p:notesMasterIdLst>
-    <p:notesMasterId r:id="rId15"/>
+    <p:notesMasterId r:id="rId13"/>
   </p:notesMasterIdLst>
   <p:handoutMasterIdLst>
-    <p:handoutMasterId r:id="rId16"/>
+    <p:handoutMasterId r:id="rId14"/>
   </p:handoutMasterIdLst>
   <p:sldIdLst>
     <p:sldId id="257" r:id="rId2"/>
@@ -16,14 +16,12 @@
     <p:sldId id="260" r:id="rId4"/>
     <p:sldId id="261" r:id="rId5"/>
     <p:sldId id="259" r:id="rId6"/>
-    <p:sldId id="262" r:id="rId7"/>
-    <p:sldId id="267" r:id="rId8"/>
-    <p:sldId id="270" r:id="rId9"/>
+    <p:sldId id="276" r:id="rId7"/>
+    <p:sldId id="262" r:id="rId8"/>
+    <p:sldId id="274" r:id="rId9"/>
     <p:sldId id="271" r:id="rId10"/>
     <p:sldId id="263" r:id="rId11"/>
     <p:sldId id="272" r:id="rId12"/>
-    <p:sldId id="274" r:id="rId13"/>
-    <p:sldId id="275" r:id="rId14"/>
   </p:sldIdLst>
   <p:sldSz cx="9144000" cy="6858000" type="screen4x3"/>
   <p:notesSz cx="9601200" cy="7315200"/>
@@ -7049,719 +7047,6 @@
 </p:sld>
 </file>
 
-<file path=ppt/slides/slide12.xml><?xml version="1.0" encoding="utf-8"?>
-<p:sld xmlns:a="http://schemas.openxmlformats.org/drawingml/2006/main" xmlns:r="http://schemas.openxmlformats.org/officeDocument/2006/relationships" xmlns:p="http://schemas.openxmlformats.org/presentationml/2006/main">
-  <p:cSld>
-    <p:spTree>
-      <p:nvGrpSpPr>
-        <p:cNvPr id="1" name=""/>
-        <p:cNvGrpSpPr/>
-        <p:nvPr/>
-      </p:nvGrpSpPr>
-      <p:grpSpPr>
-        <a:xfrm>
-          <a:off x="0" y="0"/>
-          <a:ext cx="0" cy="0"/>
-          <a:chOff x="0" y="0"/>
-          <a:chExt cx="0" cy="0"/>
-        </a:xfrm>
-      </p:grpSpPr>
-      <p:sp>
-        <p:nvSpPr>
-          <p:cNvPr id="2" name="Content Placeholder 1"/>
-          <p:cNvSpPr>
-            <a:spLocks noGrp="1"/>
-          </p:cNvSpPr>
-          <p:nvPr>
-            <p:ph idx="1"/>
-          </p:nvPr>
-        </p:nvSpPr>
-        <p:spPr>
-          <a:xfrm>
-            <a:off x="350196" y="1449421"/>
-            <a:ext cx="8565204" cy="781323"/>
-          </a:xfrm>
-        </p:spPr>
-        <p:txBody>
-          <a:bodyPr/>
-          <a:lstStyle/>
-          <a:p>
-            <a:r>
-              <a:rPr lang="en-US" dirty="0" err="1"/>
-              <a:t>SSTable</a:t>
-            </a:r>
-            <a:r>
-              <a:rPr lang="en-US" dirty="0"/>
-              <a:t>:  set of arbitrary, sorted key-value pairs</a:t>
-            </a:r>
-          </a:p>
-        </p:txBody>
-      </p:sp>
-      <p:sp>
-        <p:nvSpPr>
-          <p:cNvPr id="3" name="Slide Number Placeholder 2"/>
-          <p:cNvSpPr>
-            <a:spLocks noGrp="1"/>
-          </p:cNvSpPr>
-          <p:nvPr>
-            <p:ph type="sldNum" sz="quarter" idx="12"/>
-          </p:nvPr>
-        </p:nvSpPr>
-        <p:spPr/>
-        <p:txBody>
-          <a:bodyPr/>
-          <a:lstStyle/>
-          <a:p>
-            <a:pPr>
-              <a:defRPr/>
-            </a:pPr>
-            <a:fld id="{729111C5-E04E-4942-8174-12BB645D56A6}" type="slidenum">
-              <a:rPr lang="en-US" smtClean="0"/>
-              <a:pPr>
-                <a:defRPr/>
-              </a:pPr>
-              <a:t>12</a:t>
-            </a:fld>
-            <a:endParaRPr lang="en-US" dirty="0"/>
-          </a:p>
-        </p:txBody>
-      </p:sp>
-      <p:sp>
-        <p:nvSpPr>
-          <p:cNvPr id="4" name="Title 3"/>
-          <p:cNvSpPr>
-            <a:spLocks noGrp="1"/>
-          </p:cNvSpPr>
-          <p:nvPr>
-            <p:ph type="title"/>
-          </p:nvPr>
-        </p:nvSpPr>
-        <p:spPr/>
-        <p:txBody>
-          <a:bodyPr/>
-          <a:lstStyle/>
-          <a:p>
-            <a:r>
-              <a:rPr lang="en-US" dirty="0"/>
-              <a:t>LSM Trees:  Discussion</a:t>
-            </a:r>
-          </a:p>
-        </p:txBody>
-      </p:sp>
-      <p:pic>
-        <p:nvPicPr>
-          <p:cNvPr id="5" name="Picture 4"/>
-          <p:cNvPicPr>
-            <a:picLocks noChangeAspect="1"/>
-          </p:cNvPicPr>
-          <p:nvPr/>
-        </p:nvPicPr>
-        <p:blipFill>
-          <a:blip r:embed="rId2"/>
-          <a:stretch>
-            <a:fillRect/>
-          </a:stretch>
-        </p:blipFill>
-        <p:spPr>
-          <a:xfrm>
-            <a:off x="412750" y="2089150"/>
-            <a:ext cx="8318500" cy="1308100"/>
-          </a:xfrm>
-          <a:prstGeom prst="rect">
-            <a:avLst/>
-          </a:prstGeom>
-        </p:spPr>
-      </p:pic>
-      <p:pic>
-        <p:nvPicPr>
-          <p:cNvPr id="6" name="Picture 5"/>
-          <p:cNvPicPr>
-            <a:picLocks noChangeAspect="1"/>
-          </p:cNvPicPr>
-          <p:nvPr/>
-        </p:nvPicPr>
-        <p:blipFill>
-          <a:blip r:embed="rId3"/>
-          <a:stretch>
-            <a:fillRect/>
-          </a:stretch>
-        </p:blipFill>
-        <p:spPr>
-          <a:xfrm>
-            <a:off x="565150" y="4648888"/>
-            <a:ext cx="8193614" cy="1765977"/>
-          </a:xfrm>
-          <a:prstGeom prst="rect">
-            <a:avLst/>
-          </a:prstGeom>
-        </p:spPr>
-      </p:pic>
-      <p:sp>
-        <p:nvSpPr>
-          <p:cNvPr id="7" name="Content Placeholder 1"/>
-          <p:cNvSpPr txBox="1">
-            <a:spLocks/>
-          </p:cNvSpPr>
-          <p:nvPr/>
-        </p:nvSpPr>
-        <p:spPr bwMode="auto">
-          <a:xfrm>
-            <a:off x="412750" y="3872028"/>
-            <a:ext cx="8565204" cy="776862"/>
-          </a:xfrm>
-          <a:prstGeom prst="rect">
-            <a:avLst/>
-          </a:prstGeom>
-          <a:noFill/>
-          <a:ln w="9525">
-            <a:noFill/>
-            <a:miter lim="800000"/>
-            <a:headEnd/>
-            <a:tailEnd/>
-          </a:ln>
-        </p:spPr>
-        <p:txBody>
-          <a:bodyPr vert="horz" wrap="square" lIns="36000" tIns="36000" rIns="36000" bIns="36000" numCol="1" anchor="t" anchorCtr="0" compatLnSpc="1">
-            <a:prstTxWarp prst="textNoShape">
-              <a:avLst/>
-            </a:prstTxWarp>
-            <a:normAutofit/>
-          </a:bodyPr>
-          <a:lstStyle>
-            <a:lvl1pPr marL="342900" indent="-342900" algn="l" defTabSz="457200" rtl="0" eaLnBrk="0" fontAlgn="base" hangingPunct="0">
-              <a:lnSpc>
-                <a:spcPct val="100000"/>
-              </a:lnSpc>
-              <a:spcBef>
-                <a:spcPts val="3000"/>
-              </a:spcBef>
-              <a:spcAft>
-                <a:spcPts val="800"/>
-              </a:spcAft>
-              <a:buFont typeface="Arial" pitchFamily="-1" charset="0"/>
-              <a:buChar char="•"/>
-              <a:defRPr sz="3000" kern="1200" spc="-50" baseline="0">
-                <a:solidFill>
-                  <a:schemeClr val="tx1"/>
-                </a:solidFill>
-                <a:latin typeface="+mn-lt"/>
-                <a:ea typeface="ＭＳ Ｐゴシック" pitchFamily="-1" charset="-128"/>
-                <a:cs typeface="ＭＳ Ｐゴシック" pitchFamily="-1" charset="-128"/>
-              </a:defRPr>
-            </a:lvl1pPr>
-            <a:lvl2pPr marL="742950" marR="0" indent="-285750" algn="l" defTabSz="457200" rtl="0" eaLnBrk="0" fontAlgn="base" latinLnBrk="0" hangingPunct="0">
-              <a:lnSpc>
-                <a:spcPct val="95000"/>
-              </a:lnSpc>
-              <a:spcBef>
-                <a:spcPts val="800"/>
-              </a:spcBef>
-              <a:spcAft>
-                <a:spcPts val="800"/>
-              </a:spcAft>
-              <a:buClrTx/>
-              <a:buSzTx/>
-              <a:buFont typeface="Arial" pitchFamily="-1" charset="0"/>
-              <a:buChar char="–"/>
-              <a:tabLst/>
-              <a:defRPr sz="2800" kern="1200" spc="-50" baseline="0">
-                <a:solidFill>
-                  <a:schemeClr val="tx1"/>
-                </a:solidFill>
-                <a:latin typeface="+mn-lt"/>
-                <a:ea typeface="ＭＳ Ｐゴシック" pitchFamily="-1" charset="-128"/>
-                <a:cs typeface="+mn-cs"/>
-              </a:defRPr>
-            </a:lvl2pPr>
-            <a:lvl3pPr marL="1143000" indent="-228600" algn="l" defTabSz="457200" rtl="0" eaLnBrk="0" fontAlgn="base" hangingPunct="0">
-              <a:lnSpc>
-                <a:spcPct val="90000"/>
-              </a:lnSpc>
-              <a:spcBef>
-                <a:spcPts val="800"/>
-              </a:spcBef>
-              <a:spcAft>
-                <a:spcPct val="0"/>
-              </a:spcAft>
-              <a:buFont typeface="Arial" pitchFamily="-1" charset="0"/>
-              <a:buChar char="•"/>
-              <a:defRPr sz="2400" kern="1200" spc="-50">
-                <a:solidFill>
-                  <a:schemeClr val="tx1"/>
-                </a:solidFill>
-                <a:latin typeface="+mn-lt"/>
-                <a:ea typeface="ＭＳ Ｐゴシック" pitchFamily="-1" charset="-128"/>
-                <a:cs typeface="+mn-cs"/>
-              </a:defRPr>
-            </a:lvl3pPr>
-            <a:lvl4pPr marL="1600200" indent="-228600" algn="l" defTabSz="457200" rtl="0" eaLnBrk="0" fontAlgn="base" hangingPunct="0">
-              <a:lnSpc>
-                <a:spcPct val="90000"/>
-              </a:lnSpc>
-              <a:spcBef>
-                <a:spcPts val="800"/>
-              </a:spcBef>
-              <a:spcAft>
-                <a:spcPct val="0"/>
-              </a:spcAft>
-              <a:buFont typeface="Arial" pitchFamily="-1" charset="0"/>
-              <a:buChar char="–"/>
-              <a:defRPr sz="2200" kern="1200" spc="-50">
-                <a:solidFill>
-                  <a:schemeClr val="tx1"/>
-                </a:solidFill>
-                <a:latin typeface="+mn-lt"/>
-                <a:ea typeface="ＭＳ Ｐゴシック" pitchFamily="-1" charset="-128"/>
-                <a:cs typeface="+mn-cs"/>
-              </a:defRPr>
-            </a:lvl4pPr>
-            <a:lvl5pPr marL="2057400" indent="-228600" algn="l" defTabSz="457200" rtl="0" eaLnBrk="0" fontAlgn="base" hangingPunct="0">
-              <a:lnSpc>
-                <a:spcPct val="90000"/>
-              </a:lnSpc>
-              <a:spcBef>
-                <a:spcPts val="800"/>
-              </a:spcBef>
-              <a:spcAft>
-                <a:spcPct val="0"/>
-              </a:spcAft>
-              <a:buFont typeface="Arial" pitchFamily="-1" charset="0"/>
-              <a:buChar char="»"/>
-              <a:defRPr sz="2200" kern="1200" spc="-50">
-                <a:solidFill>
-                  <a:schemeClr val="tx1"/>
-                </a:solidFill>
-                <a:latin typeface="+mn-lt"/>
-                <a:ea typeface="ＭＳ Ｐゴシック" pitchFamily="-1" charset="-128"/>
-                <a:cs typeface="+mn-cs"/>
-              </a:defRPr>
-            </a:lvl5pPr>
-            <a:lvl6pPr marL="2514600" indent="-228600" algn="l" defTabSz="457200" rtl="0" eaLnBrk="1" latinLnBrk="0" hangingPunct="1">
-              <a:spcBef>
-                <a:spcPct val="20000"/>
-              </a:spcBef>
-              <a:buFont typeface="Arial"/>
-              <a:buChar char="•"/>
-              <a:defRPr sz="2000" kern="1200">
-                <a:solidFill>
-                  <a:schemeClr val="tx1"/>
-                </a:solidFill>
-                <a:latin typeface="+mn-lt"/>
-                <a:ea typeface="+mn-ea"/>
-                <a:cs typeface="+mn-cs"/>
-              </a:defRPr>
-            </a:lvl6pPr>
-            <a:lvl7pPr marL="2971800" indent="-228600" algn="l" defTabSz="457200" rtl="0" eaLnBrk="1" latinLnBrk="0" hangingPunct="1">
-              <a:spcBef>
-                <a:spcPct val="20000"/>
-              </a:spcBef>
-              <a:buFont typeface="Arial"/>
-              <a:buChar char="•"/>
-              <a:defRPr sz="2000" kern="1200">
-                <a:solidFill>
-                  <a:schemeClr val="tx1"/>
-                </a:solidFill>
-                <a:latin typeface="+mn-lt"/>
-                <a:ea typeface="+mn-ea"/>
-                <a:cs typeface="+mn-cs"/>
-              </a:defRPr>
-            </a:lvl7pPr>
-            <a:lvl8pPr marL="3429000" indent="-228600" algn="l" defTabSz="457200" rtl="0" eaLnBrk="1" latinLnBrk="0" hangingPunct="1">
-              <a:spcBef>
-                <a:spcPct val="20000"/>
-              </a:spcBef>
-              <a:buFont typeface="Arial"/>
-              <a:buChar char="•"/>
-              <a:defRPr sz="2000" kern="1200">
-                <a:solidFill>
-                  <a:schemeClr val="tx1"/>
-                </a:solidFill>
-                <a:latin typeface="+mn-lt"/>
-                <a:ea typeface="+mn-ea"/>
-                <a:cs typeface="+mn-cs"/>
-              </a:defRPr>
-            </a:lvl8pPr>
-            <a:lvl9pPr marL="3886200" indent="-228600" algn="l" defTabSz="457200" rtl="0" eaLnBrk="1" latinLnBrk="0" hangingPunct="1">
-              <a:spcBef>
-                <a:spcPct val="20000"/>
-              </a:spcBef>
-              <a:buFont typeface="Arial"/>
-              <a:buChar char="•"/>
-              <a:defRPr sz="2000" kern="1200">
-                <a:solidFill>
-                  <a:schemeClr val="tx1"/>
-                </a:solidFill>
-                <a:latin typeface="+mn-lt"/>
-                <a:ea typeface="+mn-ea"/>
-                <a:cs typeface="+mn-cs"/>
-              </a:defRPr>
-            </a:lvl9pPr>
-          </a:lstStyle>
-          <a:p>
-            <a:r>
-              <a:rPr lang="en-US" b="0" dirty="0"/>
-              <a:t>LSM Trees:  Write to memory, then flush to disk</a:t>
-            </a:r>
-          </a:p>
-          <a:p>
-            <a:endParaRPr lang="en-US" b="0" dirty="0"/>
-          </a:p>
-        </p:txBody>
-      </p:sp>
-    </p:spTree>
-    <p:extLst>
-      <p:ext uri="{BB962C8B-B14F-4D97-AF65-F5344CB8AC3E}">
-        <p14:creationId xmlns:p14="http://schemas.microsoft.com/office/powerpoint/2010/main" val="188991709"/>
-      </p:ext>
-    </p:extLst>
-  </p:cSld>
-  <p:clrMapOvr>
-    <a:masterClrMapping/>
-  </p:clrMapOvr>
-</p:sld>
-</file>
-
-<file path=ppt/slides/slide13.xml><?xml version="1.0" encoding="utf-8"?>
-<p:sld xmlns:a="http://schemas.openxmlformats.org/drawingml/2006/main" xmlns:r="http://schemas.openxmlformats.org/officeDocument/2006/relationships" xmlns:p="http://schemas.openxmlformats.org/presentationml/2006/main">
-  <p:cSld>
-    <p:spTree>
-      <p:nvGrpSpPr>
-        <p:cNvPr id="1" name=""/>
-        <p:cNvGrpSpPr/>
-        <p:nvPr/>
-      </p:nvGrpSpPr>
-      <p:grpSpPr>
-        <a:xfrm>
-          <a:off x="0" y="0"/>
-          <a:ext cx="0" cy="0"/>
-          <a:chOff x="0" y="0"/>
-          <a:chExt cx="0" cy="0"/>
-        </a:xfrm>
-      </p:grpSpPr>
-      <p:sp>
-        <p:nvSpPr>
-          <p:cNvPr id="3" name="Slide Number Placeholder 2"/>
-          <p:cNvSpPr>
-            <a:spLocks noGrp="1"/>
-          </p:cNvSpPr>
-          <p:nvPr>
-            <p:ph type="sldNum" sz="quarter" idx="12"/>
-          </p:nvPr>
-        </p:nvSpPr>
-        <p:spPr/>
-        <p:txBody>
-          <a:bodyPr/>
-          <a:lstStyle/>
-          <a:p>
-            <a:pPr>
-              <a:defRPr/>
-            </a:pPr>
-            <a:fld id="{729111C5-E04E-4942-8174-12BB645D56A6}" type="slidenum">
-              <a:rPr lang="en-US" smtClean="0"/>
-              <a:pPr>
-                <a:defRPr/>
-              </a:pPr>
-              <a:t>13</a:t>
-            </a:fld>
-            <a:endParaRPr lang="en-US" dirty="0"/>
-          </a:p>
-        </p:txBody>
-      </p:sp>
-      <p:sp>
-        <p:nvSpPr>
-          <p:cNvPr id="4" name="Title 3"/>
-          <p:cNvSpPr>
-            <a:spLocks noGrp="1"/>
-          </p:cNvSpPr>
-          <p:nvPr>
-            <p:ph type="title"/>
-          </p:nvPr>
-        </p:nvSpPr>
-        <p:spPr/>
-        <p:txBody>
-          <a:bodyPr/>
-          <a:lstStyle/>
-          <a:p>
-            <a:r>
-              <a:rPr lang="en-US" dirty="0"/>
-              <a:t>LSM Trees:  Discussion</a:t>
-            </a:r>
-          </a:p>
-        </p:txBody>
-      </p:sp>
-      <p:pic>
-        <p:nvPicPr>
-          <p:cNvPr id="6" name="Picture 5"/>
-          <p:cNvPicPr>
-            <a:picLocks noChangeAspect="1"/>
-          </p:cNvPicPr>
-          <p:nvPr/>
-        </p:nvPicPr>
-        <p:blipFill>
-          <a:blip r:embed="rId2"/>
-          <a:stretch>
-            <a:fillRect/>
-          </a:stretch>
-        </p:blipFill>
-        <p:spPr>
-          <a:xfrm>
-            <a:off x="565150" y="4648888"/>
-            <a:ext cx="8193614" cy="1765977"/>
-          </a:xfrm>
-          <a:prstGeom prst="rect">
-            <a:avLst/>
-          </a:prstGeom>
-        </p:spPr>
-      </p:pic>
-      <p:sp>
-        <p:nvSpPr>
-          <p:cNvPr id="7" name="Content Placeholder 1"/>
-          <p:cNvSpPr txBox="1">
-            <a:spLocks/>
-          </p:cNvSpPr>
-          <p:nvPr/>
-        </p:nvSpPr>
-        <p:spPr bwMode="auto">
-          <a:xfrm>
-            <a:off x="412750" y="3872028"/>
-            <a:ext cx="8565204" cy="776862"/>
-          </a:xfrm>
-          <a:prstGeom prst="rect">
-            <a:avLst/>
-          </a:prstGeom>
-          <a:noFill/>
-          <a:ln w="9525">
-            <a:noFill/>
-            <a:miter lim="800000"/>
-            <a:headEnd/>
-            <a:tailEnd/>
-          </a:ln>
-        </p:spPr>
-        <p:txBody>
-          <a:bodyPr vert="horz" wrap="square" lIns="36000" tIns="36000" rIns="36000" bIns="36000" numCol="1" anchor="t" anchorCtr="0" compatLnSpc="1">
-            <a:prstTxWarp prst="textNoShape">
-              <a:avLst/>
-            </a:prstTxWarp>
-            <a:normAutofit/>
-          </a:bodyPr>
-          <a:lstStyle>
-            <a:lvl1pPr marL="342900" indent="-342900" algn="l" defTabSz="457200" rtl="0" eaLnBrk="0" fontAlgn="base" hangingPunct="0">
-              <a:lnSpc>
-                <a:spcPct val="100000"/>
-              </a:lnSpc>
-              <a:spcBef>
-                <a:spcPts val="3000"/>
-              </a:spcBef>
-              <a:spcAft>
-                <a:spcPts val="800"/>
-              </a:spcAft>
-              <a:buFont typeface="Arial" pitchFamily="-1" charset="0"/>
-              <a:buChar char="•"/>
-              <a:defRPr sz="3000" kern="1200" spc="-50" baseline="0">
-                <a:solidFill>
-                  <a:schemeClr val="tx1"/>
-                </a:solidFill>
-                <a:latin typeface="+mn-lt"/>
-                <a:ea typeface="ＭＳ Ｐゴシック" pitchFamily="-1" charset="-128"/>
-                <a:cs typeface="ＭＳ Ｐゴシック" pitchFamily="-1" charset="-128"/>
-              </a:defRPr>
-            </a:lvl1pPr>
-            <a:lvl2pPr marL="742950" marR="0" indent="-285750" algn="l" defTabSz="457200" rtl="0" eaLnBrk="0" fontAlgn="base" latinLnBrk="0" hangingPunct="0">
-              <a:lnSpc>
-                <a:spcPct val="95000"/>
-              </a:lnSpc>
-              <a:spcBef>
-                <a:spcPts val="800"/>
-              </a:spcBef>
-              <a:spcAft>
-                <a:spcPts val="800"/>
-              </a:spcAft>
-              <a:buClrTx/>
-              <a:buSzTx/>
-              <a:buFont typeface="Arial" pitchFamily="-1" charset="0"/>
-              <a:buChar char="–"/>
-              <a:tabLst/>
-              <a:defRPr sz="2800" kern="1200" spc="-50" baseline="0">
-                <a:solidFill>
-                  <a:schemeClr val="tx1"/>
-                </a:solidFill>
-                <a:latin typeface="+mn-lt"/>
-                <a:ea typeface="ＭＳ Ｐゴシック" pitchFamily="-1" charset="-128"/>
-                <a:cs typeface="+mn-cs"/>
-              </a:defRPr>
-            </a:lvl2pPr>
-            <a:lvl3pPr marL="1143000" indent="-228600" algn="l" defTabSz="457200" rtl="0" eaLnBrk="0" fontAlgn="base" hangingPunct="0">
-              <a:lnSpc>
-                <a:spcPct val="90000"/>
-              </a:lnSpc>
-              <a:spcBef>
-                <a:spcPts val="800"/>
-              </a:spcBef>
-              <a:spcAft>
-                <a:spcPct val="0"/>
-              </a:spcAft>
-              <a:buFont typeface="Arial" pitchFamily="-1" charset="0"/>
-              <a:buChar char="•"/>
-              <a:defRPr sz="2400" kern="1200" spc="-50">
-                <a:solidFill>
-                  <a:schemeClr val="tx1"/>
-                </a:solidFill>
-                <a:latin typeface="+mn-lt"/>
-                <a:ea typeface="ＭＳ Ｐゴシック" pitchFamily="-1" charset="-128"/>
-                <a:cs typeface="+mn-cs"/>
-              </a:defRPr>
-            </a:lvl3pPr>
-            <a:lvl4pPr marL="1600200" indent="-228600" algn="l" defTabSz="457200" rtl="0" eaLnBrk="0" fontAlgn="base" hangingPunct="0">
-              <a:lnSpc>
-                <a:spcPct val="90000"/>
-              </a:lnSpc>
-              <a:spcBef>
-                <a:spcPts val="800"/>
-              </a:spcBef>
-              <a:spcAft>
-                <a:spcPct val="0"/>
-              </a:spcAft>
-              <a:buFont typeface="Arial" pitchFamily="-1" charset="0"/>
-              <a:buChar char="–"/>
-              <a:defRPr sz="2200" kern="1200" spc="-50">
-                <a:solidFill>
-                  <a:schemeClr val="tx1"/>
-                </a:solidFill>
-                <a:latin typeface="+mn-lt"/>
-                <a:ea typeface="ＭＳ Ｐゴシック" pitchFamily="-1" charset="-128"/>
-                <a:cs typeface="+mn-cs"/>
-              </a:defRPr>
-            </a:lvl4pPr>
-            <a:lvl5pPr marL="2057400" indent="-228600" algn="l" defTabSz="457200" rtl="0" eaLnBrk="0" fontAlgn="base" hangingPunct="0">
-              <a:lnSpc>
-                <a:spcPct val="90000"/>
-              </a:lnSpc>
-              <a:spcBef>
-                <a:spcPts val="800"/>
-              </a:spcBef>
-              <a:spcAft>
-                <a:spcPct val="0"/>
-              </a:spcAft>
-              <a:buFont typeface="Arial" pitchFamily="-1" charset="0"/>
-              <a:buChar char="»"/>
-              <a:defRPr sz="2200" kern="1200" spc="-50">
-                <a:solidFill>
-                  <a:schemeClr val="tx1"/>
-                </a:solidFill>
-                <a:latin typeface="+mn-lt"/>
-                <a:ea typeface="ＭＳ Ｐゴシック" pitchFamily="-1" charset="-128"/>
-                <a:cs typeface="+mn-cs"/>
-              </a:defRPr>
-            </a:lvl5pPr>
-            <a:lvl6pPr marL="2514600" indent="-228600" algn="l" defTabSz="457200" rtl="0" eaLnBrk="1" latinLnBrk="0" hangingPunct="1">
-              <a:spcBef>
-                <a:spcPct val="20000"/>
-              </a:spcBef>
-              <a:buFont typeface="Arial"/>
-              <a:buChar char="•"/>
-              <a:defRPr sz="2000" kern="1200">
-                <a:solidFill>
-                  <a:schemeClr val="tx1"/>
-                </a:solidFill>
-                <a:latin typeface="+mn-lt"/>
-                <a:ea typeface="+mn-ea"/>
-                <a:cs typeface="+mn-cs"/>
-              </a:defRPr>
-            </a:lvl6pPr>
-            <a:lvl7pPr marL="2971800" indent="-228600" algn="l" defTabSz="457200" rtl="0" eaLnBrk="1" latinLnBrk="0" hangingPunct="1">
-              <a:spcBef>
-                <a:spcPct val="20000"/>
-              </a:spcBef>
-              <a:buFont typeface="Arial"/>
-              <a:buChar char="•"/>
-              <a:defRPr sz="2000" kern="1200">
-                <a:solidFill>
-                  <a:schemeClr val="tx1"/>
-                </a:solidFill>
-                <a:latin typeface="+mn-lt"/>
-                <a:ea typeface="+mn-ea"/>
-                <a:cs typeface="+mn-cs"/>
-              </a:defRPr>
-            </a:lvl7pPr>
-            <a:lvl8pPr marL="3429000" indent="-228600" algn="l" defTabSz="457200" rtl="0" eaLnBrk="1" latinLnBrk="0" hangingPunct="1">
-              <a:spcBef>
-                <a:spcPct val="20000"/>
-              </a:spcBef>
-              <a:buFont typeface="Arial"/>
-              <a:buChar char="•"/>
-              <a:defRPr sz="2000" kern="1200">
-                <a:solidFill>
-                  <a:schemeClr val="tx1"/>
-                </a:solidFill>
-                <a:latin typeface="+mn-lt"/>
-                <a:ea typeface="+mn-ea"/>
-                <a:cs typeface="+mn-cs"/>
-              </a:defRPr>
-            </a:lvl8pPr>
-            <a:lvl9pPr marL="3886200" indent="-228600" algn="l" defTabSz="457200" rtl="0" eaLnBrk="1" latinLnBrk="0" hangingPunct="1">
-              <a:spcBef>
-                <a:spcPct val="20000"/>
-              </a:spcBef>
-              <a:buFont typeface="Arial"/>
-              <a:buChar char="•"/>
-              <a:defRPr sz="2000" kern="1200">
-                <a:solidFill>
-                  <a:schemeClr val="tx1"/>
-                </a:solidFill>
-                <a:latin typeface="+mn-lt"/>
-                <a:ea typeface="+mn-ea"/>
-                <a:cs typeface="+mn-cs"/>
-              </a:defRPr>
-            </a:lvl9pPr>
-          </a:lstStyle>
-          <a:p>
-            <a:r>
-              <a:rPr lang="en-US" b="0" dirty="0"/>
-              <a:t>LSM Trees:  Write to memory, then flush to disk</a:t>
-            </a:r>
-          </a:p>
-          <a:p>
-            <a:endParaRPr lang="en-US" b="0" dirty="0"/>
-          </a:p>
-        </p:txBody>
-      </p:sp>
-      <p:pic>
-        <p:nvPicPr>
-          <p:cNvPr id="10" name="Picture 9"/>
-          <p:cNvPicPr>
-            <a:picLocks noChangeAspect="1"/>
-          </p:cNvPicPr>
-          <p:nvPr/>
-        </p:nvPicPr>
-        <p:blipFill>
-          <a:blip r:embed="rId3"/>
-          <a:stretch>
-            <a:fillRect/>
-          </a:stretch>
-        </p:blipFill>
-        <p:spPr>
-          <a:xfrm>
-            <a:off x="412750" y="1491461"/>
-            <a:ext cx="8611649" cy="2242232"/>
-          </a:xfrm>
-          <a:prstGeom prst="rect">
-            <a:avLst/>
-          </a:prstGeom>
-        </p:spPr>
-      </p:pic>
-    </p:spTree>
-    <p:extLst>
-      <p:ext uri="{BB962C8B-B14F-4D97-AF65-F5344CB8AC3E}">
-        <p14:creationId xmlns:p14="http://schemas.microsoft.com/office/powerpoint/2010/main" val="423679507"/>
-      </p:ext>
-    </p:extLst>
-  </p:cSld>
-  <p:clrMapOvr>
-    <a:masterClrMapping/>
-  </p:clrMapOvr>
-</p:sld>
-</file>
-
 <file path=ppt/slides/slide2.xml><?xml version="1.0" encoding="utf-8"?>
 <p:sld xmlns:a="http://schemas.openxmlformats.org/drawingml/2006/main" xmlns:r="http://schemas.openxmlformats.org/officeDocument/2006/relationships" xmlns:p="http://schemas.openxmlformats.org/presentationml/2006/main">
   <p:cSld>
@@ -11379,7 +10664,7 @@
         </p:nvSpPr>
         <p:spPr>
           <a:xfrm>
-            <a:off x="1287188" y="4880355"/>
+            <a:off x="1277493" y="4562855"/>
             <a:ext cx="6561412" cy="892552"/>
           </a:xfrm>
           <a:prstGeom prst="rect">
@@ -11444,6 +10729,304 @@
           <a:chExt cx="0" cy="0"/>
         </a:xfrm>
       </p:grpSpPr>
+      <p:graphicFrame>
+        <p:nvGraphicFramePr>
+          <p:cNvPr id="6" name="Table 5"/>
+          <p:cNvGraphicFramePr>
+            <a:graphicFrameLocks noGrp="1"/>
+          </p:cNvGraphicFramePr>
+          <p:nvPr>
+            <p:extLst/>
+          </p:nvPr>
+        </p:nvGraphicFramePr>
+        <p:xfrm>
+          <a:off x="1126581" y="1440020"/>
+          <a:ext cx="7739832" cy="962939"/>
+        </p:xfrm>
+        <a:graphic>
+          <a:graphicData uri="http://schemas.openxmlformats.org/drawingml/2006/table">
+            <a:tbl>
+              <a:tblPr firstRow="1" bandRow="1">
+                <a:tableStyleId>{69CF1AB2-1976-4502-BF36-3FF5EA218861}</a:tableStyleId>
+              </a:tblPr>
+              <a:tblGrid>
+                <a:gridCol w="1227390">
+                  <a:extLst>
+                    <a:ext uri="{9D8B030D-6E8A-4147-A177-3AD203B41FA5}">
+                      <a16:colId xmlns:a16="http://schemas.microsoft.com/office/drawing/2014/main" val="20000"/>
+                    </a:ext>
+                  </a:extLst>
+                </a:gridCol>
+                <a:gridCol w="1977656">
+                  <a:extLst>
+                    <a:ext uri="{9D8B030D-6E8A-4147-A177-3AD203B41FA5}">
+                      <a16:colId xmlns:a16="http://schemas.microsoft.com/office/drawing/2014/main" val="20001"/>
+                    </a:ext>
+                  </a:extLst>
+                </a:gridCol>
+                <a:gridCol w="1084521">
+                  <a:extLst>
+                    <a:ext uri="{9D8B030D-6E8A-4147-A177-3AD203B41FA5}">
+                      <a16:colId xmlns:a16="http://schemas.microsoft.com/office/drawing/2014/main" val="20002"/>
+                    </a:ext>
+                  </a:extLst>
+                </a:gridCol>
+                <a:gridCol w="1297172">
+                  <a:extLst>
+                    <a:ext uri="{9D8B030D-6E8A-4147-A177-3AD203B41FA5}">
+                      <a16:colId xmlns:a16="http://schemas.microsoft.com/office/drawing/2014/main" val="20003"/>
+                    </a:ext>
+                  </a:extLst>
+                </a:gridCol>
+                <a:gridCol w="1297172">
+                  <a:extLst>
+                    <a:ext uri="{9D8B030D-6E8A-4147-A177-3AD203B41FA5}">
+                      <a16:colId xmlns:a16="http://schemas.microsoft.com/office/drawing/2014/main" val="20004"/>
+                    </a:ext>
+                  </a:extLst>
+                </a:gridCol>
+                <a:gridCol w="855921">
+                  <a:extLst>
+                    <a:ext uri="{9D8B030D-6E8A-4147-A177-3AD203B41FA5}">
+                      <a16:colId xmlns:a16="http://schemas.microsoft.com/office/drawing/2014/main" val="20005"/>
+                    </a:ext>
+                  </a:extLst>
+                </a:gridCol>
+              </a:tblGrid>
+              <a:tr h="962939">
+                <a:tc>
+                  <a:txBody>
+                    <a:bodyPr/>
+                    <a:lstStyle/>
+                    <a:p>
+                      <a:pPr algn="ctr"/>
+                      <a:r>
+                        <a:rPr lang="en-US" dirty="0"/>
+                        <a:t>8</a:t>
+                      </a:r>
+                    </a:p>
+                  </a:txBody>
+                  <a:tcPr anchor="ctr">
+                    <a:lnL w="12700" cmpd="sng">
+                      <a:noFill/>
+                    </a:lnL>
+                    <a:lnR w="12700" cmpd="sng">
+                      <a:noFill/>
+                    </a:lnR>
+                    <a:lnT w="12700" cmpd="sng">
+                      <a:noFill/>
+                    </a:lnT>
+                    <a:lnB w="12700" cmpd="sng">
+                      <a:noFill/>
+                    </a:lnB>
+                    <a:lnTlToBr w="12700" cmpd="sng">
+                      <a:noFill/>
+                      <a:prstDash val="solid"/>
+                    </a:lnTlToBr>
+                    <a:lnBlToTr w="12700" cmpd="sng">
+                      <a:noFill/>
+                      <a:prstDash val="solid"/>
+                    </a:lnBlToTr>
+                    <a:noFill/>
+                  </a:tcPr>
+                </a:tc>
+                <a:tc>
+                  <a:txBody>
+                    <a:bodyPr/>
+                    <a:lstStyle/>
+                    <a:p>
+                      <a:pPr algn="ctr"/>
+                      <a:r>
+                        <a:rPr lang="en-US" dirty="0"/>
+                        <a:t>0 - 255</a:t>
+                      </a:r>
+                    </a:p>
+                  </a:txBody>
+                  <a:tcPr anchor="ctr">
+                    <a:lnL w="12700" cmpd="sng">
+                      <a:noFill/>
+                    </a:lnL>
+                    <a:lnR w="12700" cmpd="sng">
+                      <a:noFill/>
+                    </a:lnR>
+                    <a:lnT w="12700" cmpd="sng">
+                      <a:noFill/>
+                    </a:lnT>
+                    <a:lnB w="12700" cmpd="sng">
+                      <a:noFill/>
+                    </a:lnB>
+                    <a:lnTlToBr w="12700" cmpd="sng">
+                      <a:noFill/>
+                      <a:prstDash val="solid"/>
+                    </a:lnTlToBr>
+                    <a:lnBlToTr w="12700" cmpd="sng">
+                      <a:noFill/>
+                      <a:prstDash val="solid"/>
+                    </a:lnBlToTr>
+                    <a:noFill/>
+                  </a:tcPr>
+                </a:tc>
+                <a:tc>
+                  <a:txBody>
+                    <a:bodyPr/>
+                    <a:lstStyle/>
+                    <a:p>
+                      <a:pPr algn="ctr"/>
+                      <a:r>
+                        <a:rPr lang="en-US" dirty="0"/>
+                        <a:t>4</a:t>
+                      </a:r>
+                    </a:p>
+                  </a:txBody>
+                  <a:tcPr anchor="ctr">
+                    <a:lnL w="12700" cmpd="sng">
+                      <a:noFill/>
+                    </a:lnL>
+                    <a:lnR w="12700" cmpd="sng">
+                      <a:noFill/>
+                    </a:lnR>
+                    <a:lnT w="12700" cmpd="sng">
+                      <a:noFill/>
+                    </a:lnT>
+                    <a:lnB w="12700" cmpd="sng">
+                      <a:noFill/>
+                    </a:lnB>
+                    <a:lnTlToBr w="12700" cmpd="sng">
+                      <a:noFill/>
+                      <a:prstDash val="solid"/>
+                    </a:lnTlToBr>
+                    <a:lnBlToTr w="12700" cmpd="sng">
+                      <a:noFill/>
+                      <a:prstDash val="solid"/>
+                    </a:lnBlToTr>
+                    <a:noFill/>
+                  </a:tcPr>
+                </a:tc>
+                <a:tc>
+                  <a:txBody>
+                    <a:bodyPr/>
+                    <a:lstStyle/>
+                    <a:p>
+                      <a:pPr algn="ctr"/>
+                      <a:r>
+                        <a:rPr lang="en-US" dirty="0"/>
+                        <a:t>2</a:t>
+                      </a:r>
+                    </a:p>
+                  </a:txBody>
+                  <a:tcPr anchor="ctr">
+                    <a:lnL w="12700" cmpd="sng">
+                      <a:noFill/>
+                    </a:lnL>
+                    <a:lnR w="12700" cmpd="sng">
+                      <a:noFill/>
+                    </a:lnR>
+                    <a:lnT w="12700" cmpd="sng">
+                      <a:noFill/>
+                    </a:lnT>
+                    <a:lnB w="12700" cmpd="sng">
+                      <a:noFill/>
+                    </a:lnB>
+                    <a:lnTlToBr w="12700" cmpd="sng">
+                      <a:noFill/>
+                      <a:prstDash val="solid"/>
+                    </a:lnTlToBr>
+                    <a:lnBlToTr w="12700" cmpd="sng">
+                      <a:noFill/>
+                      <a:prstDash val="solid"/>
+                    </a:lnBlToTr>
+                    <a:noFill/>
+                  </a:tcPr>
+                </a:tc>
+                <a:tc>
+                  <a:txBody>
+                    <a:bodyPr/>
+                    <a:lstStyle/>
+                    <a:p>
+                      <a:pPr algn="ctr"/>
+                      <a:r>
+                        <a:rPr lang="en-US" dirty="0"/>
+                        <a:t>4</a:t>
+                      </a:r>
+                    </a:p>
+                  </a:txBody>
+                  <a:tcPr anchor="ctr">
+                    <a:lnL w="12700" cmpd="sng">
+                      <a:noFill/>
+                    </a:lnL>
+                    <a:lnR w="12700" cmpd="sng">
+                      <a:noFill/>
+                    </a:lnR>
+                    <a:lnT w="12700" cmpd="sng">
+                      <a:noFill/>
+                    </a:lnT>
+                    <a:lnB w="12700" cmpd="sng">
+                      <a:noFill/>
+                    </a:lnB>
+                    <a:lnTlToBr w="12700" cmpd="sng">
+                      <a:noFill/>
+                      <a:prstDash val="solid"/>
+                    </a:lnTlToBr>
+                    <a:lnBlToTr w="12700" cmpd="sng">
+                      <a:noFill/>
+                      <a:prstDash val="solid"/>
+                    </a:lnBlToTr>
+                    <a:noFill/>
+                  </a:tcPr>
+                </a:tc>
+                <a:tc>
+                  <a:txBody>
+                    <a:bodyPr/>
+                    <a:lstStyle/>
+                    <a:p>
+                      <a:pPr algn="ctr"/>
+                      <a:r>
+                        <a:rPr lang="en-US" dirty="0"/>
+                        <a:t>= 18 -</a:t>
+                      </a:r>
+                    </a:p>
+                    <a:p>
+                      <a:pPr algn="r"/>
+                      <a:r>
+                        <a:rPr lang="en-US" dirty="0"/>
+                        <a:t>273</a:t>
+                      </a:r>
+                    </a:p>
+                  </a:txBody>
+                  <a:tcPr anchor="ctr">
+                    <a:lnL w="12700" cmpd="sng">
+                      <a:noFill/>
+                    </a:lnL>
+                    <a:lnR w="12700" cmpd="sng">
+                      <a:noFill/>
+                    </a:lnR>
+                    <a:lnT w="12700" cmpd="sng">
+                      <a:noFill/>
+                    </a:lnT>
+                    <a:lnB w="12700" cmpd="sng">
+                      <a:noFill/>
+                    </a:lnB>
+                    <a:lnTlToBr w="12700" cmpd="sng">
+                      <a:noFill/>
+                      <a:prstDash val="solid"/>
+                    </a:lnTlToBr>
+                    <a:lnBlToTr w="12700" cmpd="sng">
+                      <a:noFill/>
+                      <a:prstDash val="solid"/>
+                    </a:lnBlToTr>
+                    <a:noFill/>
+                  </a:tcPr>
+                </a:tc>
+                <a:extLst>
+                  <a:ext uri="{0D108BD9-81ED-4DB2-BD59-A6C34878D82A}">
+                    <a16:rowId xmlns:a16="http://schemas.microsoft.com/office/drawing/2014/main" val="10000"/>
+                  </a:ext>
+                </a:extLst>
+              </a:tr>
+            </a:tbl>
+          </a:graphicData>
+        </a:graphic>
+      </p:graphicFrame>
       <p:sp>
         <p:nvSpPr>
           <p:cNvPr id="3" name="Slide Number Placeholder 2"/>
@@ -11468,6 +11051,325 @@
                 <a:defRPr/>
               </a:pPr>
               <a:t>6</a:t>
+            </a:fld>
+            <a:endParaRPr lang="en-US" dirty="0"/>
+          </a:p>
+        </p:txBody>
+      </p:sp>
+      <p:sp>
+        <p:nvSpPr>
+          <p:cNvPr id="4" name="Title 3"/>
+          <p:cNvSpPr>
+            <a:spLocks noGrp="1"/>
+          </p:cNvSpPr>
+          <p:nvPr>
+            <p:ph type="title"/>
+          </p:nvPr>
+        </p:nvSpPr>
+        <p:spPr>
+          <a:xfrm>
+            <a:off x="301208" y="16215"/>
+            <a:ext cx="8924433" cy="1066800"/>
+          </a:xfrm>
+        </p:spPr>
+        <p:txBody>
+          <a:bodyPr/>
+          <a:lstStyle/>
+          <a:p>
+            <a:r>
+              <a:rPr lang="en-US" sz="3600" dirty="0"/>
+              <a:t>Row-based storage: variable lengths</a:t>
+            </a:r>
+          </a:p>
+        </p:txBody>
+      </p:sp>
+      <p:graphicFrame>
+        <p:nvGraphicFramePr>
+          <p:cNvPr id="5" name="Table 4"/>
+          <p:cNvGraphicFramePr>
+            <a:graphicFrameLocks noGrp="1"/>
+          </p:cNvGraphicFramePr>
+          <p:nvPr>
+            <p:extLst/>
+          </p:nvPr>
+        </p:nvGraphicFramePr>
+        <p:xfrm>
+          <a:off x="1107427" y="2254101"/>
+          <a:ext cx="6901545" cy="946171"/>
+        </p:xfrm>
+        <a:graphic>
+          <a:graphicData uri="http://schemas.openxmlformats.org/drawingml/2006/table">
+            <a:tbl>
+              <a:tblPr firstRow="1" bandRow="1">
+                <a:tableStyleId>{69CF1AB2-1976-4502-BF36-3FF5EA218861}</a:tableStyleId>
+              </a:tblPr>
+              <a:tblGrid>
+                <a:gridCol w="1246544">
+                  <a:extLst>
+                    <a:ext uri="{9D8B030D-6E8A-4147-A177-3AD203B41FA5}">
+                      <a16:colId xmlns:a16="http://schemas.microsoft.com/office/drawing/2014/main" val="20000"/>
+                    </a:ext>
+                  </a:extLst>
+                </a:gridCol>
+                <a:gridCol w="1977656">
+                  <a:extLst>
+                    <a:ext uri="{9D8B030D-6E8A-4147-A177-3AD203B41FA5}">
+                      <a16:colId xmlns:a16="http://schemas.microsoft.com/office/drawing/2014/main" val="20001"/>
+                    </a:ext>
+                  </a:extLst>
+                </a:gridCol>
+                <a:gridCol w="1084521">
+                  <a:extLst>
+                    <a:ext uri="{9D8B030D-6E8A-4147-A177-3AD203B41FA5}">
+                      <a16:colId xmlns:a16="http://schemas.microsoft.com/office/drawing/2014/main" val="20002"/>
+                    </a:ext>
+                  </a:extLst>
+                </a:gridCol>
+                <a:gridCol w="1297172">
+                  <a:extLst>
+                    <a:ext uri="{9D8B030D-6E8A-4147-A177-3AD203B41FA5}">
+                      <a16:colId xmlns:a16="http://schemas.microsoft.com/office/drawing/2014/main" val="20003"/>
+                    </a:ext>
+                  </a:extLst>
+                </a:gridCol>
+                <a:gridCol w="1295652">
+                  <a:extLst>
+                    <a:ext uri="{9D8B030D-6E8A-4147-A177-3AD203B41FA5}">
+                      <a16:colId xmlns:a16="http://schemas.microsoft.com/office/drawing/2014/main" val="20004"/>
+                    </a:ext>
+                  </a:extLst>
+                </a:gridCol>
+              </a:tblGrid>
+              <a:tr h="946171">
+                <a:tc>
+                  <a:txBody>
+                    <a:bodyPr/>
+                    <a:lstStyle/>
+                    <a:p>
+                      <a:pPr algn="ctr"/>
+                      <a:r>
+                        <a:rPr lang="en-US" dirty="0"/>
+                        <a:t>Id</a:t>
+                      </a:r>
+                    </a:p>
+                    <a:p>
+                      <a:pPr algn="ctr"/>
+                      <a:r>
+                        <a:rPr lang="en-US" dirty="0"/>
+                        <a:t>BIGINT</a:t>
+                      </a:r>
+                    </a:p>
+                  </a:txBody>
+                  <a:tcPr anchor="ctr"/>
+                </a:tc>
+                <a:tc>
+                  <a:txBody>
+                    <a:bodyPr/>
+                    <a:lstStyle/>
+                    <a:p>
+                      <a:pPr algn="ctr"/>
+                      <a:r>
+                        <a:rPr lang="en-US" dirty="0"/>
+                        <a:t>URL</a:t>
+                      </a:r>
+                    </a:p>
+                    <a:p>
+                      <a:pPr algn="ctr"/>
+                      <a:r>
+                        <a:rPr lang="en-US" dirty="0"/>
+                        <a:t>VARCHAR(255)</a:t>
+                      </a:r>
+                    </a:p>
+                  </a:txBody>
+                  <a:tcPr anchor="ctr"/>
+                </a:tc>
+                <a:tc>
+                  <a:txBody>
+                    <a:bodyPr/>
+                    <a:lstStyle/>
+                    <a:p>
+                      <a:pPr algn="ctr"/>
+                      <a:r>
+                        <a:rPr lang="en-US" dirty="0"/>
+                        <a:t>Size</a:t>
+                      </a:r>
+                    </a:p>
+                    <a:p>
+                      <a:pPr algn="ctr"/>
+                      <a:r>
+                        <a:rPr lang="en-US" dirty="0"/>
+                        <a:t>INT</a:t>
+                      </a:r>
+                    </a:p>
+                  </a:txBody>
+                  <a:tcPr anchor="ctr"/>
+                </a:tc>
+                <a:tc>
+                  <a:txBody>
+                    <a:bodyPr/>
+                    <a:lstStyle/>
+                    <a:p>
+                      <a:pPr algn="ctr"/>
+                      <a:r>
+                        <a:rPr lang="en-US" dirty="0"/>
+                        <a:t>Code</a:t>
+                      </a:r>
+                      <a:br>
+                        <a:rPr lang="en-US" dirty="0"/>
+                      </a:br>
+                      <a:r>
+                        <a:rPr lang="en-US" sz="1600" dirty="0"/>
+                        <a:t>SMALLINT</a:t>
+                      </a:r>
+                    </a:p>
+                  </a:txBody>
+                  <a:tcPr anchor="ctr"/>
+                </a:tc>
+                <a:tc>
+                  <a:txBody>
+                    <a:bodyPr/>
+                    <a:lstStyle/>
+                    <a:p>
+                      <a:pPr algn="ctr"/>
+                      <a:r>
+                        <a:rPr lang="en-US" dirty="0"/>
+                        <a:t>Fetched</a:t>
+                      </a:r>
+                      <a:br>
+                        <a:rPr lang="en-US" dirty="0"/>
+                      </a:br>
+                      <a:r>
+                        <a:rPr lang="en-US" dirty="0"/>
+                        <a:t>DATE</a:t>
+                      </a:r>
+                    </a:p>
+                  </a:txBody>
+                  <a:tcPr anchor="ctr"/>
+                </a:tc>
+                <a:extLst>
+                  <a:ext uri="{0D108BD9-81ED-4DB2-BD59-A6C34878D82A}">
+                    <a16:rowId xmlns:a16="http://schemas.microsoft.com/office/drawing/2014/main" val="10000"/>
+                  </a:ext>
+                </a:extLst>
+              </a:tr>
+            </a:tbl>
+          </a:graphicData>
+        </a:graphic>
+      </p:graphicFrame>
+      <p:sp>
+        <p:nvSpPr>
+          <p:cNvPr id="7" name="Content Placeholder 1">
+            <a:extLst>
+              <a:ext uri="{FF2B5EF4-FFF2-40B4-BE49-F238E27FC236}">
+                <a16:creationId xmlns:a16="http://schemas.microsoft.com/office/drawing/2014/main" id="{F3567D92-6CEE-A04A-93E5-56F90C0FF3F4}"/>
+              </a:ext>
+            </a:extLst>
+          </p:cNvPr>
+          <p:cNvSpPr>
+            <a:spLocks noGrp="1"/>
+          </p:cNvSpPr>
+          <p:nvPr>
+            <p:ph idx="1"/>
+          </p:nvPr>
+        </p:nvSpPr>
+        <p:spPr>
+          <a:xfrm>
+            <a:off x="1126581" y="4014353"/>
+            <a:ext cx="6959563" cy="3870724"/>
+          </a:xfrm>
+        </p:spPr>
+        <p:txBody>
+          <a:bodyPr>
+            <a:normAutofit/>
+          </a:bodyPr>
+          <a:lstStyle/>
+          <a:p>
+            <a:r>
+              <a:rPr lang="en-US" sz="2800" dirty="0"/>
+              <a:t>Data stored in fixed-sized pages on disk</a:t>
+            </a:r>
+          </a:p>
+          <a:p>
+            <a:pPr lvl="1"/>
+            <a:r>
+              <a:rPr lang="en-US" sz="2400" dirty="0"/>
+              <a:t>E.g., typically 8K in PostgreSQL</a:t>
+            </a:r>
+          </a:p>
+          <a:p>
+            <a:pPr lvl="1"/>
+            <a:r>
+              <a:rPr lang="en-US" sz="2400" dirty="0"/>
+              <a:t>Page includes metadata and actual data items</a:t>
+            </a:r>
+          </a:p>
+          <a:p>
+            <a:pPr lvl="1"/>
+            <a:r>
+              <a:rPr lang="en-US" sz="2400" dirty="0"/>
+              <a:t>Items = indexes, data rows</a:t>
+            </a:r>
+          </a:p>
+          <a:p>
+            <a:pPr lvl="1"/>
+            <a:endParaRPr lang="en-US" sz="2400" dirty="0"/>
+          </a:p>
+        </p:txBody>
+      </p:sp>
+    </p:spTree>
+    <p:extLst>
+      <p:ext uri="{BB962C8B-B14F-4D97-AF65-F5344CB8AC3E}">
+        <p14:creationId xmlns:p14="http://schemas.microsoft.com/office/powerpoint/2010/main" val="3747108735"/>
+      </p:ext>
+    </p:extLst>
+  </p:cSld>
+  <p:clrMapOvr>
+    <a:masterClrMapping/>
+  </p:clrMapOvr>
+</p:sld>
+</file>
+
+<file path=ppt/slides/slide7.xml><?xml version="1.0" encoding="utf-8"?>
+<p:sld xmlns:a="http://schemas.openxmlformats.org/drawingml/2006/main" xmlns:r="http://schemas.openxmlformats.org/officeDocument/2006/relationships" xmlns:p="http://schemas.openxmlformats.org/presentationml/2006/main">
+  <p:cSld>
+    <p:spTree>
+      <p:nvGrpSpPr>
+        <p:cNvPr id="1" name=""/>
+        <p:cNvGrpSpPr/>
+        <p:nvPr/>
+      </p:nvGrpSpPr>
+      <p:grpSpPr>
+        <a:xfrm>
+          <a:off x="0" y="0"/>
+          <a:ext cx="0" cy="0"/>
+          <a:chOff x="0" y="0"/>
+          <a:chExt cx="0" cy="0"/>
+        </a:xfrm>
+      </p:grpSpPr>
+      <p:sp>
+        <p:nvSpPr>
+          <p:cNvPr id="3" name="Slide Number Placeholder 2"/>
+          <p:cNvSpPr>
+            <a:spLocks noGrp="1"/>
+          </p:cNvSpPr>
+          <p:nvPr>
+            <p:ph type="sldNum" sz="quarter" idx="12"/>
+          </p:nvPr>
+        </p:nvSpPr>
+        <p:spPr/>
+        <p:txBody>
+          <a:bodyPr/>
+          <a:lstStyle/>
+          <a:p>
+            <a:pPr>
+              <a:defRPr/>
+            </a:pPr>
+            <a:fld id="{729111C5-E04E-4942-8174-12BB645D56A6}" type="slidenum">
+              <a:rPr lang="en-US" smtClean="0"/>
+              <a:pPr>
+                <a:defRPr/>
+              </a:pPr>
+              <a:t>7</a:t>
             </a:fld>
             <a:endParaRPr lang="en-US" dirty="0"/>
           </a:p>
@@ -12212,12 +12114,12 @@
           <a:p>
             <a:pPr algn="r"/>
             <a:r>
-              <a:rPr lang="en-US">
+              <a:rPr lang="en-US" dirty="0">
                 <a:latin typeface="Arial" charset="0"/>
                 <a:ea typeface="Arial" charset="0"/>
                 <a:cs typeface="Arial" charset="0"/>
               </a:rPr>
-              <a:t>0</a:t>
+              <a:t>58</a:t>
             </a:r>
           </a:p>
         </p:txBody>
@@ -12251,7 +12153,7 @@
                 <a:ea typeface="Arial" charset="0"/>
                 <a:cs typeface="Arial" charset="0"/>
               </a:rPr>
-              <a:t>18</a:t>
+              <a:t>102</a:t>
             </a:r>
           </a:p>
         </p:txBody>
@@ -12298,8 +12200,8 @@
         </p:nvSpPr>
         <p:spPr>
           <a:xfrm>
-            <a:off x="363554" y="4070147"/>
-            <a:ext cx="5032148" cy="400110"/>
+            <a:off x="321868" y="4070147"/>
+            <a:ext cx="5445722" cy="400110"/>
           </a:xfrm>
           <a:prstGeom prst="rect">
             <a:avLst/>
@@ -12326,7 +12228,7 @@
                 <a:ea typeface="Arial" charset="0"/>
                 <a:cs typeface="Arial" charset="0"/>
               </a:rPr>
-              <a:t>:  [(0, 18), (18, 273), (291, 59)]</a:t>
+              <a:t>:  [58, 101), (102, 290), (291, 59)]</a:t>
             </a:r>
           </a:p>
         </p:txBody>
@@ -12587,652 +12489,6 @@
 </p:sld>
 </file>
 
-<file path=ppt/slides/slide7.xml><?xml version="1.0" encoding="utf-8"?>
-<p:sld xmlns:a="http://schemas.openxmlformats.org/drawingml/2006/main" xmlns:r="http://schemas.openxmlformats.org/officeDocument/2006/relationships" xmlns:p="http://schemas.openxmlformats.org/presentationml/2006/main">
-  <p:cSld>
-    <p:spTree>
-      <p:nvGrpSpPr>
-        <p:cNvPr id="1" name=""/>
-        <p:cNvGrpSpPr/>
-        <p:nvPr/>
-      </p:nvGrpSpPr>
-      <p:grpSpPr>
-        <a:xfrm>
-          <a:off x="0" y="0"/>
-          <a:ext cx="0" cy="0"/>
-          <a:chOff x="0" y="0"/>
-          <a:chExt cx="0" cy="0"/>
-        </a:xfrm>
-      </p:grpSpPr>
-      <p:sp>
-        <p:nvSpPr>
-          <p:cNvPr id="2" name="Content Placeholder 1"/>
-          <p:cNvSpPr>
-            <a:spLocks noGrp="1"/>
-          </p:cNvSpPr>
-          <p:nvPr>
-            <p:ph idx="1"/>
-          </p:nvPr>
-        </p:nvSpPr>
-        <p:spPr>
-          <a:xfrm>
-            <a:off x="350196" y="1636459"/>
-            <a:ext cx="8565204" cy="3870724"/>
-          </a:xfrm>
-        </p:spPr>
-        <p:txBody>
-          <a:bodyPr/>
-          <a:lstStyle/>
-          <a:p>
-            <a:r>
-              <a:rPr lang="en-US" dirty="0"/>
-              <a:t>Data stored in fixed-sized pages on disk</a:t>
-            </a:r>
-          </a:p>
-          <a:p>
-            <a:pPr lvl="1"/>
-            <a:r>
-              <a:rPr lang="en-US" dirty="0"/>
-              <a:t>E.g., typically 8K in PostgreSQL</a:t>
-            </a:r>
-          </a:p>
-          <a:p>
-            <a:pPr lvl="1"/>
-            <a:r>
-              <a:rPr lang="en-US" dirty="0"/>
-              <a:t>Page includes metadata and actual data items</a:t>
-            </a:r>
-          </a:p>
-          <a:p>
-            <a:pPr lvl="1"/>
-            <a:r>
-              <a:rPr lang="en-US" dirty="0"/>
-              <a:t>Items = indexes, data rows</a:t>
-            </a:r>
-          </a:p>
-          <a:p>
-            <a:pPr lvl="1"/>
-            <a:endParaRPr lang="en-US" dirty="0"/>
-          </a:p>
-        </p:txBody>
-      </p:sp>
-      <p:sp>
-        <p:nvSpPr>
-          <p:cNvPr id="3" name="Slide Number Placeholder 2"/>
-          <p:cNvSpPr>
-            <a:spLocks noGrp="1"/>
-          </p:cNvSpPr>
-          <p:nvPr>
-            <p:ph type="sldNum" sz="quarter" idx="12"/>
-          </p:nvPr>
-        </p:nvSpPr>
-        <p:spPr/>
-        <p:txBody>
-          <a:bodyPr/>
-          <a:lstStyle/>
-          <a:p>
-            <a:pPr>
-              <a:defRPr/>
-            </a:pPr>
-            <a:fld id="{729111C5-E04E-4942-8174-12BB645D56A6}" type="slidenum">
-              <a:rPr lang="en-US" smtClean="0"/>
-              <a:pPr>
-                <a:defRPr/>
-              </a:pPr>
-              <a:t>7</a:t>
-            </a:fld>
-            <a:endParaRPr lang="en-US" dirty="0"/>
-          </a:p>
-        </p:txBody>
-      </p:sp>
-      <p:sp>
-        <p:nvSpPr>
-          <p:cNvPr id="4" name="Title 3"/>
-          <p:cNvSpPr>
-            <a:spLocks noGrp="1"/>
-          </p:cNvSpPr>
-          <p:nvPr>
-            <p:ph type="title"/>
-          </p:nvPr>
-        </p:nvSpPr>
-        <p:spPr/>
-        <p:txBody>
-          <a:bodyPr/>
-          <a:lstStyle/>
-          <a:p>
-            <a:r>
-              <a:rPr lang="en-US" dirty="0"/>
-              <a:t>Row-based disk layout</a:t>
-            </a:r>
-          </a:p>
-        </p:txBody>
-      </p:sp>
-      <p:graphicFrame>
-        <p:nvGraphicFramePr>
-          <p:cNvPr id="5" name="Table 4"/>
-          <p:cNvGraphicFramePr>
-            <a:graphicFrameLocks noGrp="1"/>
-          </p:cNvGraphicFramePr>
-          <p:nvPr/>
-        </p:nvGraphicFramePr>
-        <p:xfrm>
-          <a:off x="350196" y="4623229"/>
-          <a:ext cx="3792809" cy="696917"/>
-        </p:xfrm>
-        <a:graphic>
-          <a:graphicData uri="http://schemas.openxmlformats.org/drawingml/2006/table">
-            <a:tbl>
-              <a:tblPr firstRow="1" bandRow="1">
-                <a:tableStyleId>{69CF1AB2-1976-4502-BF36-3FF5EA218861}</a:tableStyleId>
-              </a:tblPr>
-              <a:tblGrid>
-                <a:gridCol w="665894">
-                  <a:extLst>
-                    <a:ext uri="{9D8B030D-6E8A-4147-A177-3AD203B41FA5}">
-                      <a16:colId xmlns:a16="http://schemas.microsoft.com/office/drawing/2014/main" val="20000"/>
-                    </a:ext>
-                  </a:extLst>
-                </a:gridCol>
-                <a:gridCol w="978360">
-                  <a:extLst>
-                    <a:ext uri="{9D8B030D-6E8A-4147-A177-3AD203B41FA5}">
-                      <a16:colId xmlns:a16="http://schemas.microsoft.com/office/drawing/2014/main" val="20001"/>
-                    </a:ext>
-                  </a:extLst>
-                </a:gridCol>
-                <a:gridCol w="548355">
-                  <a:extLst>
-                    <a:ext uri="{9D8B030D-6E8A-4147-A177-3AD203B41FA5}">
-                      <a16:colId xmlns:a16="http://schemas.microsoft.com/office/drawing/2014/main" val="20002"/>
-                    </a:ext>
-                  </a:extLst>
-                </a:gridCol>
-                <a:gridCol w="852042">
-                  <a:extLst>
-                    <a:ext uri="{9D8B030D-6E8A-4147-A177-3AD203B41FA5}">
-                      <a16:colId xmlns:a16="http://schemas.microsoft.com/office/drawing/2014/main" val="20003"/>
-                    </a:ext>
-                  </a:extLst>
-                </a:gridCol>
-                <a:gridCol w="748158">
-                  <a:extLst>
-                    <a:ext uri="{9D8B030D-6E8A-4147-A177-3AD203B41FA5}">
-                      <a16:colId xmlns:a16="http://schemas.microsoft.com/office/drawing/2014/main" val="20004"/>
-                    </a:ext>
-                  </a:extLst>
-                </a:gridCol>
-              </a:tblGrid>
-              <a:tr h="696917">
-                <a:tc>
-                  <a:txBody>
-                    <a:bodyPr/>
-                    <a:lstStyle/>
-                    <a:p>
-                      <a:pPr algn="ctr"/>
-                      <a:r>
-                        <a:rPr lang="en-US" sz="1000" dirty="0"/>
-                        <a:t>Id</a:t>
-                      </a:r>
-                    </a:p>
-                    <a:p>
-                      <a:pPr algn="ctr"/>
-                      <a:r>
-                        <a:rPr lang="en-US" sz="1000" dirty="0"/>
-                        <a:t>BIGINT</a:t>
-                      </a:r>
-                    </a:p>
-                  </a:txBody>
-                  <a:tcPr anchor="ctr"/>
-                </a:tc>
-                <a:tc>
-                  <a:txBody>
-                    <a:bodyPr/>
-                    <a:lstStyle/>
-                    <a:p>
-                      <a:pPr algn="ctr"/>
-                      <a:r>
-                        <a:rPr lang="en-US" sz="1000" dirty="0"/>
-                        <a:t>Name</a:t>
-                      </a:r>
-                    </a:p>
-                    <a:p>
-                      <a:pPr algn="ctr"/>
-                      <a:r>
-                        <a:rPr lang="en-US" sz="1000" dirty="0"/>
-                        <a:t>CHAR(32)</a:t>
-                      </a:r>
-                    </a:p>
-                  </a:txBody>
-                  <a:tcPr anchor="ctr"/>
-                </a:tc>
-                <a:tc>
-                  <a:txBody>
-                    <a:bodyPr/>
-                    <a:lstStyle/>
-                    <a:p>
-                      <a:pPr algn="ctr"/>
-                      <a:r>
-                        <a:rPr lang="en-US" sz="1000" dirty="0"/>
-                        <a:t>Age</a:t>
-                      </a:r>
-                    </a:p>
-                    <a:p>
-                      <a:pPr algn="ctr"/>
-                      <a:r>
-                        <a:rPr lang="en-US" sz="1000" dirty="0"/>
-                        <a:t>INT</a:t>
-                      </a:r>
-                    </a:p>
-                  </a:txBody>
-                  <a:tcPr anchor="ctr"/>
-                </a:tc>
-                <a:tc>
-                  <a:txBody>
-                    <a:bodyPr/>
-                    <a:lstStyle/>
-                    <a:p>
-                      <a:pPr algn="ctr"/>
-                      <a:r>
-                        <a:rPr lang="en-US" sz="1000" dirty="0"/>
-                        <a:t>Gender</a:t>
-                      </a:r>
-                      <a:br>
-                        <a:rPr lang="en-US" sz="1000" dirty="0"/>
-                      </a:br>
-                      <a:r>
-                        <a:rPr lang="en-US" sz="1000" dirty="0"/>
-                        <a:t>SMALLINT</a:t>
-                      </a:r>
-                    </a:p>
-                  </a:txBody>
-                  <a:tcPr anchor="ctr"/>
-                </a:tc>
-                <a:tc>
-                  <a:txBody>
-                    <a:bodyPr/>
-                    <a:lstStyle/>
-                    <a:p>
-                      <a:pPr algn="ctr"/>
-                      <a:r>
-                        <a:rPr lang="en-US" sz="1000" dirty="0"/>
-                        <a:t>Birthday</a:t>
-                      </a:r>
-                      <a:br>
-                        <a:rPr lang="en-US" sz="1000" dirty="0"/>
-                      </a:br>
-                      <a:r>
-                        <a:rPr lang="en-US" sz="1000" dirty="0"/>
-                        <a:t>DATE</a:t>
-                      </a:r>
-                    </a:p>
-                  </a:txBody>
-                  <a:tcPr anchor="ctr"/>
-                </a:tc>
-                <a:extLst>
-                  <a:ext uri="{0D108BD9-81ED-4DB2-BD59-A6C34878D82A}">
-                    <a16:rowId xmlns:a16="http://schemas.microsoft.com/office/drawing/2014/main" val="10000"/>
-                  </a:ext>
-                </a:extLst>
-              </a:tr>
-            </a:tbl>
-          </a:graphicData>
-        </a:graphic>
-      </p:graphicFrame>
-      <p:graphicFrame>
-        <p:nvGraphicFramePr>
-          <p:cNvPr id="6" name="Table 5"/>
-          <p:cNvGraphicFramePr>
-            <a:graphicFrameLocks noGrp="1"/>
-          </p:cNvGraphicFramePr>
-          <p:nvPr/>
-        </p:nvGraphicFramePr>
-        <p:xfrm>
-          <a:off x="4143005" y="4623228"/>
-          <a:ext cx="3792809" cy="696917"/>
-        </p:xfrm>
-        <a:graphic>
-          <a:graphicData uri="http://schemas.openxmlformats.org/drawingml/2006/table">
-            <a:tbl>
-              <a:tblPr firstRow="1" bandRow="1">
-                <a:tableStyleId>{69CF1AB2-1976-4502-BF36-3FF5EA218861}</a:tableStyleId>
-              </a:tblPr>
-              <a:tblGrid>
-                <a:gridCol w="665894">
-                  <a:extLst>
-                    <a:ext uri="{9D8B030D-6E8A-4147-A177-3AD203B41FA5}">
-                      <a16:colId xmlns:a16="http://schemas.microsoft.com/office/drawing/2014/main" val="20000"/>
-                    </a:ext>
-                  </a:extLst>
-                </a:gridCol>
-                <a:gridCol w="978360">
-                  <a:extLst>
-                    <a:ext uri="{9D8B030D-6E8A-4147-A177-3AD203B41FA5}">
-                      <a16:colId xmlns:a16="http://schemas.microsoft.com/office/drawing/2014/main" val="20001"/>
-                    </a:ext>
-                  </a:extLst>
-                </a:gridCol>
-                <a:gridCol w="548355">
-                  <a:extLst>
-                    <a:ext uri="{9D8B030D-6E8A-4147-A177-3AD203B41FA5}">
-                      <a16:colId xmlns:a16="http://schemas.microsoft.com/office/drawing/2014/main" val="20002"/>
-                    </a:ext>
-                  </a:extLst>
-                </a:gridCol>
-                <a:gridCol w="852042">
-                  <a:extLst>
-                    <a:ext uri="{9D8B030D-6E8A-4147-A177-3AD203B41FA5}">
-                      <a16:colId xmlns:a16="http://schemas.microsoft.com/office/drawing/2014/main" val="20003"/>
-                    </a:ext>
-                  </a:extLst>
-                </a:gridCol>
-                <a:gridCol w="748158">
-                  <a:extLst>
-                    <a:ext uri="{9D8B030D-6E8A-4147-A177-3AD203B41FA5}">
-                      <a16:colId xmlns:a16="http://schemas.microsoft.com/office/drawing/2014/main" val="20004"/>
-                    </a:ext>
-                  </a:extLst>
-                </a:gridCol>
-              </a:tblGrid>
-              <a:tr h="696917">
-                <a:tc>
-                  <a:txBody>
-                    <a:bodyPr/>
-                    <a:lstStyle/>
-                    <a:p>
-                      <a:pPr algn="ctr"/>
-                      <a:r>
-                        <a:rPr lang="en-US" sz="1000" dirty="0"/>
-                        <a:t>Id</a:t>
-                      </a:r>
-                    </a:p>
-                    <a:p>
-                      <a:pPr algn="ctr"/>
-                      <a:r>
-                        <a:rPr lang="en-US" sz="1000" dirty="0"/>
-                        <a:t>BIGINT</a:t>
-                      </a:r>
-                    </a:p>
-                  </a:txBody>
-                  <a:tcPr anchor="ctr"/>
-                </a:tc>
-                <a:tc>
-                  <a:txBody>
-                    <a:bodyPr/>
-                    <a:lstStyle/>
-                    <a:p>
-                      <a:pPr algn="ctr"/>
-                      <a:r>
-                        <a:rPr lang="en-US" sz="1000" dirty="0"/>
-                        <a:t>Name</a:t>
-                      </a:r>
-                    </a:p>
-                    <a:p>
-                      <a:pPr algn="ctr"/>
-                      <a:r>
-                        <a:rPr lang="en-US" sz="1000" dirty="0"/>
-                        <a:t>CHAR(32)</a:t>
-                      </a:r>
-                    </a:p>
-                  </a:txBody>
-                  <a:tcPr anchor="ctr"/>
-                </a:tc>
-                <a:tc>
-                  <a:txBody>
-                    <a:bodyPr/>
-                    <a:lstStyle/>
-                    <a:p>
-                      <a:pPr algn="ctr"/>
-                      <a:r>
-                        <a:rPr lang="en-US" sz="1000" dirty="0"/>
-                        <a:t>Age</a:t>
-                      </a:r>
-                    </a:p>
-                    <a:p>
-                      <a:pPr algn="ctr"/>
-                      <a:r>
-                        <a:rPr lang="en-US" sz="1000" dirty="0"/>
-                        <a:t>INT</a:t>
-                      </a:r>
-                    </a:p>
-                  </a:txBody>
-                  <a:tcPr anchor="ctr"/>
-                </a:tc>
-                <a:tc>
-                  <a:txBody>
-                    <a:bodyPr/>
-                    <a:lstStyle/>
-                    <a:p>
-                      <a:pPr algn="ctr"/>
-                      <a:r>
-                        <a:rPr lang="en-US" sz="1000" dirty="0"/>
-                        <a:t>Gender</a:t>
-                      </a:r>
-                      <a:br>
-                        <a:rPr lang="en-US" sz="1000" dirty="0"/>
-                      </a:br>
-                      <a:r>
-                        <a:rPr lang="en-US" sz="1000" dirty="0"/>
-                        <a:t>SMALLINT</a:t>
-                      </a:r>
-                    </a:p>
-                  </a:txBody>
-                  <a:tcPr anchor="ctr"/>
-                </a:tc>
-                <a:tc>
-                  <a:txBody>
-                    <a:bodyPr/>
-                    <a:lstStyle/>
-                    <a:p>
-                      <a:pPr algn="ctr"/>
-                      <a:r>
-                        <a:rPr lang="en-US" sz="1000" dirty="0"/>
-                        <a:t>Birthday</a:t>
-                      </a:r>
-                      <a:br>
-                        <a:rPr lang="en-US" sz="1000" dirty="0"/>
-                      </a:br>
-                      <a:r>
-                        <a:rPr lang="en-US" sz="1000" dirty="0"/>
-                        <a:t>DATE</a:t>
-                      </a:r>
-                    </a:p>
-                  </a:txBody>
-                  <a:tcPr anchor="ctr"/>
-                </a:tc>
-                <a:extLst>
-                  <a:ext uri="{0D108BD9-81ED-4DB2-BD59-A6C34878D82A}">
-                    <a16:rowId xmlns:a16="http://schemas.microsoft.com/office/drawing/2014/main" val="10000"/>
-                  </a:ext>
-                </a:extLst>
-              </a:tr>
-            </a:tbl>
-          </a:graphicData>
-        </a:graphic>
-      </p:graphicFrame>
-      <p:graphicFrame>
-        <p:nvGraphicFramePr>
-          <p:cNvPr id="7" name="Table 6"/>
-          <p:cNvGraphicFramePr>
-            <a:graphicFrameLocks noGrp="1"/>
-          </p:cNvGraphicFramePr>
-          <p:nvPr/>
-        </p:nvGraphicFramePr>
-        <p:xfrm>
-          <a:off x="7935814" y="4623228"/>
-          <a:ext cx="3792809" cy="696917"/>
-        </p:xfrm>
-        <a:graphic>
-          <a:graphicData uri="http://schemas.openxmlformats.org/drawingml/2006/table">
-            <a:tbl>
-              <a:tblPr firstRow="1" bandRow="1">
-                <a:tableStyleId>{69CF1AB2-1976-4502-BF36-3FF5EA218861}</a:tableStyleId>
-              </a:tblPr>
-              <a:tblGrid>
-                <a:gridCol w="665894">
-                  <a:extLst>
-                    <a:ext uri="{9D8B030D-6E8A-4147-A177-3AD203B41FA5}">
-                      <a16:colId xmlns:a16="http://schemas.microsoft.com/office/drawing/2014/main" val="20000"/>
-                    </a:ext>
-                  </a:extLst>
-                </a:gridCol>
-                <a:gridCol w="978360">
-                  <a:extLst>
-                    <a:ext uri="{9D8B030D-6E8A-4147-A177-3AD203B41FA5}">
-                      <a16:colId xmlns:a16="http://schemas.microsoft.com/office/drawing/2014/main" val="20001"/>
-                    </a:ext>
-                  </a:extLst>
-                </a:gridCol>
-                <a:gridCol w="548355">
-                  <a:extLst>
-                    <a:ext uri="{9D8B030D-6E8A-4147-A177-3AD203B41FA5}">
-                      <a16:colId xmlns:a16="http://schemas.microsoft.com/office/drawing/2014/main" val="20002"/>
-                    </a:ext>
-                  </a:extLst>
-                </a:gridCol>
-                <a:gridCol w="852042">
-                  <a:extLst>
-                    <a:ext uri="{9D8B030D-6E8A-4147-A177-3AD203B41FA5}">
-                      <a16:colId xmlns:a16="http://schemas.microsoft.com/office/drawing/2014/main" val="20003"/>
-                    </a:ext>
-                  </a:extLst>
-                </a:gridCol>
-                <a:gridCol w="748158">
-                  <a:extLst>
-                    <a:ext uri="{9D8B030D-6E8A-4147-A177-3AD203B41FA5}">
-                      <a16:colId xmlns:a16="http://schemas.microsoft.com/office/drawing/2014/main" val="20004"/>
-                    </a:ext>
-                  </a:extLst>
-                </a:gridCol>
-              </a:tblGrid>
-              <a:tr h="696917">
-                <a:tc>
-                  <a:txBody>
-                    <a:bodyPr/>
-                    <a:lstStyle/>
-                    <a:p>
-                      <a:pPr algn="ctr"/>
-                      <a:r>
-                        <a:rPr lang="en-US" sz="1000" dirty="0"/>
-                        <a:t>Id</a:t>
-                      </a:r>
-                    </a:p>
-                    <a:p>
-                      <a:pPr algn="ctr"/>
-                      <a:r>
-                        <a:rPr lang="en-US" sz="1000" dirty="0"/>
-                        <a:t>BIGINT</a:t>
-                      </a:r>
-                    </a:p>
-                  </a:txBody>
-                  <a:tcPr anchor="ctr"/>
-                </a:tc>
-                <a:tc>
-                  <a:txBody>
-                    <a:bodyPr/>
-                    <a:lstStyle/>
-                    <a:p>
-                      <a:pPr algn="ctr"/>
-                      <a:r>
-                        <a:rPr lang="en-US" sz="1000" dirty="0"/>
-                        <a:t>Name</a:t>
-                      </a:r>
-                    </a:p>
-                    <a:p>
-                      <a:pPr algn="ctr"/>
-                      <a:r>
-                        <a:rPr lang="en-US" sz="1000" dirty="0"/>
-                        <a:t>CHAR(32)</a:t>
-                      </a:r>
-                    </a:p>
-                  </a:txBody>
-                  <a:tcPr anchor="ctr"/>
-                </a:tc>
-                <a:tc>
-                  <a:txBody>
-                    <a:bodyPr/>
-                    <a:lstStyle/>
-                    <a:p>
-                      <a:pPr algn="ctr"/>
-                      <a:r>
-                        <a:rPr lang="en-US" sz="1000" dirty="0"/>
-                        <a:t>Age</a:t>
-                      </a:r>
-                    </a:p>
-                    <a:p>
-                      <a:pPr algn="ctr"/>
-                      <a:r>
-                        <a:rPr lang="en-US" sz="1000" dirty="0"/>
-                        <a:t>INT</a:t>
-                      </a:r>
-                    </a:p>
-                  </a:txBody>
-                  <a:tcPr anchor="ctr"/>
-                </a:tc>
-                <a:tc>
-                  <a:txBody>
-                    <a:bodyPr/>
-                    <a:lstStyle/>
-                    <a:p>
-                      <a:pPr algn="ctr"/>
-                      <a:r>
-                        <a:rPr lang="en-US" sz="1000" dirty="0"/>
-                        <a:t>Gender</a:t>
-                      </a:r>
-                      <a:br>
-                        <a:rPr lang="en-US" sz="1000" dirty="0"/>
-                      </a:br>
-                      <a:r>
-                        <a:rPr lang="en-US" sz="1000" dirty="0"/>
-                        <a:t>SMALLINT</a:t>
-                      </a:r>
-                    </a:p>
-                  </a:txBody>
-                  <a:tcPr anchor="ctr"/>
-                </a:tc>
-                <a:tc>
-                  <a:txBody>
-                    <a:bodyPr/>
-                    <a:lstStyle/>
-                    <a:p>
-                      <a:pPr algn="ctr"/>
-                      <a:r>
-                        <a:rPr lang="en-US" sz="1000" dirty="0"/>
-                        <a:t>Birthday</a:t>
-                      </a:r>
-                      <a:br>
-                        <a:rPr lang="en-US" sz="1000" dirty="0"/>
-                      </a:br>
-                      <a:r>
-                        <a:rPr lang="en-US" sz="1000" dirty="0"/>
-                        <a:t>DATE</a:t>
-                      </a:r>
-                    </a:p>
-                  </a:txBody>
-                  <a:tcPr anchor="ctr"/>
-                </a:tc>
-                <a:extLst>
-                  <a:ext uri="{0D108BD9-81ED-4DB2-BD59-A6C34878D82A}">
-                    <a16:rowId xmlns:a16="http://schemas.microsoft.com/office/drawing/2014/main" val="10000"/>
-                  </a:ext>
-                </a:extLst>
-              </a:tr>
-            </a:tbl>
-          </a:graphicData>
-        </a:graphic>
-      </p:graphicFrame>
-    </p:spTree>
-    <p:extLst>
-      <p:ext uri="{BB962C8B-B14F-4D97-AF65-F5344CB8AC3E}">
-        <p14:creationId xmlns:p14="http://schemas.microsoft.com/office/powerpoint/2010/main" val="485397462"/>
-      </p:ext>
-    </p:extLst>
-  </p:cSld>
-  <p:clrMapOvr>
-    <a:masterClrMapping/>
-  </p:clrMapOvr>
-</p:sld>
-</file>
-
 <file path=ppt/slides/slide8.xml><?xml version="1.0" encoding="utf-8"?>
 <p:sld xmlns:a="http://schemas.openxmlformats.org/drawingml/2006/main" xmlns:r="http://schemas.openxmlformats.org/officeDocument/2006/relationships" xmlns:p="http://schemas.openxmlformats.org/presentationml/2006/main">
   <p:cSld>
@@ -13252,58 +12508,6 @@
       </p:grpSpPr>
       <p:sp>
         <p:nvSpPr>
-          <p:cNvPr id="2" name="Content Placeholder 1"/>
-          <p:cNvSpPr>
-            <a:spLocks noGrp="1"/>
-          </p:cNvSpPr>
-          <p:nvPr>
-            <p:ph idx="1"/>
-          </p:nvPr>
-        </p:nvSpPr>
-        <p:spPr>
-          <a:xfrm>
-            <a:off x="350196" y="1636459"/>
-            <a:ext cx="8565204" cy="3870724"/>
-          </a:xfrm>
-        </p:spPr>
-        <p:txBody>
-          <a:bodyPr/>
-          <a:lstStyle/>
-          <a:p>
-            <a:r>
-              <a:rPr lang="en-US" dirty="0"/>
-              <a:t>Data stored in fixed-sized pages on disk</a:t>
-            </a:r>
-          </a:p>
-          <a:p>
-            <a:pPr lvl="1"/>
-            <a:r>
-              <a:rPr lang="en-US" dirty="0"/>
-              <a:t>E.g., typically 8K in PostgreSQL</a:t>
-            </a:r>
-          </a:p>
-          <a:p>
-            <a:pPr lvl="1"/>
-            <a:r>
-              <a:rPr lang="en-US" dirty="0"/>
-              <a:t>Page includes metadata and actual data items</a:t>
-            </a:r>
-          </a:p>
-          <a:p>
-            <a:pPr lvl="1"/>
-            <a:r>
-              <a:rPr lang="en-US" dirty="0"/>
-              <a:t>Items = indexes, data rows</a:t>
-            </a:r>
-          </a:p>
-          <a:p>
-            <a:pPr lvl="1"/>
-            <a:endParaRPr lang="en-US" dirty="0"/>
-          </a:p>
-        </p:txBody>
-      </p:sp>
-      <p:sp>
-        <p:nvSpPr>
           <p:cNvPr id="3" name="Slide Number Placeholder 2"/>
           <p:cNvSpPr>
             <a:spLocks noGrp="1"/>
@@ -13341,589 +12545,57 @@
             <p:ph type="title"/>
           </p:nvPr>
         </p:nvSpPr>
-        <p:spPr/>
+        <p:spPr>
+          <a:xfrm>
+            <a:off x="301208" y="16215"/>
+            <a:ext cx="8924433" cy="1066800"/>
+          </a:xfrm>
+        </p:spPr>
         <p:txBody>
           <a:bodyPr/>
           <a:lstStyle/>
           <a:p>
             <a:r>
-              <a:rPr lang="en-US" dirty="0"/>
-              <a:t>Row-based disk layout</a:t>
+              <a:rPr lang="en-US" sz="3600" dirty="0"/>
+              <a:t>Row-based storage: variable lengths</a:t>
             </a:r>
           </a:p>
         </p:txBody>
       </p:sp>
-      <p:sp>
-        <p:nvSpPr>
-          <p:cNvPr id="8" name="TextBox 7"/>
-          <p:cNvSpPr txBox="1"/>
+      <p:pic>
+        <p:nvPicPr>
+          <p:cNvPr id="5" name="Picture 4">
+            <a:extLst>
+              <a:ext uri="{FF2B5EF4-FFF2-40B4-BE49-F238E27FC236}">
+                <a16:creationId xmlns:a16="http://schemas.microsoft.com/office/drawing/2014/main" id="{F0ECDF3D-C460-5648-A7CB-CD75E8EDC6E6}"/>
+              </a:ext>
+            </a:extLst>
+          </p:cNvPr>
+          <p:cNvPicPr>
+            <a:picLocks noChangeAspect="1"/>
+          </p:cNvPicPr>
           <p:nvPr/>
-        </p:nvSpPr>
+        </p:nvPicPr>
+        <p:blipFill>
+          <a:blip r:embed="rId2"/>
+          <a:stretch>
+            <a:fillRect/>
+          </a:stretch>
+        </p:blipFill>
         <p:spPr>
           <a:xfrm>
-            <a:off x="608147" y="5660517"/>
-            <a:ext cx="7707559" cy="400110"/>
+            <a:off x="1090402" y="1510035"/>
+            <a:ext cx="6296070" cy="4616144"/>
           </a:xfrm>
           <a:prstGeom prst="rect">
             <a:avLst/>
           </a:prstGeom>
-          <a:noFill/>
         </p:spPr>
-        <p:txBody>
-          <a:bodyPr wrap="none" rtlCol="0">
-            <a:spAutoFit/>
-          </a:bodyPr>
-          <a:lstStyle/>
-          <a:p>
-            <a:r>
-              <a:rPr lang="en-US" dirty="0">
-                <a:latin typeface="Arial" charset="0"/>
-                <a:ea typeface="Arial" charset="0"/>
-                <a:cs typeface="Arial" charset="0"/>
-              </a:rPr>
-              <a:t>READ 32 bytes at positions (0 + 8), (50 + 8), (100 + 8), (150 + 8)</a:t>
-            </a:r>
-          </a:p>
-        </p:txBody>
-      </p:sp>
-      <p:graphicFrame>
-        <p:nvGraphicFramePr>
-          <p:cNvPr id="9" name="Table 8"/>
-          <p:cNvGraphicFramePr>
-            <a:graphicFrameLocks noGrp="1"/>
-          </p:cNvGraphicFramePr>
-          <p:nvPr/>
-        </p:nvGraphicFramePr>
-        <p:xfrm>
-          <a:off x="350196" y="4623229"/>
-          <a:ext cx="3792809" cy="696917"/>
-        </p:xfrm>
-        <a:graphic>
-          <a:graphicData uri="http://schemas.openxmlformats.org/drawingml/2006/table">
-            <a:tbl>
-              <a:tblPr firstRow="1" bandRow="1">
-                <a:tableStyleId>{69CF1AB2-1976-4502-BF36-3FF5EA218861}</a:tableStyleId>
-              </a:tblPr>
-              <a:tblGrid>
-                <a:gridCol w="665894">
-                  <a:extLst>
-                    <a:ext uri="{9D8B030D-6E8A-4147-A177-3AD203B41FA5}">
-                      <a16:colId xmlns:a16="http://schemas.microsoft.com/office/drawing/2014/main" val="20000"/>
-                    </a:ext>
-                  </a:extLst>
-                </a:gridCol>
-                <a:gridCol w="978360">
-                  <a:extLst>
-                    <a:ext uri="{9D8B030D-6E8A-4147-A177-3AD203B41FA5}">
-                      <a16:colId xmlns:a16="http://schemas.microsoft.com/office/drawing/2014/main" val="20001"/>
-                    </a:ext>
-                  </a:extLst>
-                </a:gridCol>
-                <a:gridCol w="548355">
-                  <a:extLst>
-                    <a:ext uri="{9D8B030D-6E8A-4147-A177-3AD203B41FA5}">
-                      <a16:colId xmlns:a16="http://schemas.microsoft.com/office/drawing/2014/main" val="20002"/>
-                    </a:ext>
-                  </a:extLst>
-                </a:gridCol>
-                <a:gridCol w="852042">
-                  <a:extLst>
-                    <a:ext uri="{9D8B030D-6E8A-4147-A177-3AD203B41FA5}">
-                      <a16:colId xmlns:a16="http://schemas.microsoft.com/office/drawing/2014/main" val="20003"/>
-                    </a:ext>
-                  </a:extLst>
-                </a:gridCol>
-                <a:gridCol w="748158">
-                  <a:extLst>
-                    <a:ext uri="{9D8B030D-6E8A-4147-A177-3AD203B41FA5}">
-                      <a16:colId xmlns:a16="http://schemas.microsoft.com/office/drawing/2014/main" val="20004"/>
-                    </a:ext>
-                  </a:extLst>
-                </a:gridCol>
-              </a:tblGrid>
-              <a:tr h="696917">
-                <a:tc>
-                  <a:txBody>
-                    <a:bodyPr/>
-                    <a:lstStyle/>
-                    <a:p>
-                      <a:pPr algn="ctr"/>
-                      <a:r>
-                        <a:rPr lang="en-US" sz="1000" dirty="0"/>
-                        <a:t>Id</a:t>
-                      </a:r>
-                    </a:p>
-                    <a:p>
-                      <a:pPr algn="ctr"/>
-                      <a:r>
-                        <a:rPr lang="en-US" sz="1000" dirty="0"/>
-                        <a:t>BIGINT</a:t>
-                      </a:r>
-                    </a:p>
-                  </a:txBody>
-                  <a:tcPr anchor="ctr"/>
-                </a:tc>
-                <a:tc>
-                  <a:txBody>
-                    <a:bodyPr/>
-                    <a:lstStyle/>
-                    <a:p>
-                      <a:pPr algn="ctr"/>
-                      <a:r>
-                        <a:rPr lang="en-US" sz="1000" dirty="0"/>
-                        <a:t>Name</a:t>
-                      </a:r>
-                    </a:p>
-                    <a:p>
-                      <a:pPr algn="ctr"/>
-                      <a:r>
-                        <a:rPr lang="en-US" sz="1000" dirty="0"/>
-                        <a:t>CHAR(32)</a:t>
-                      </a:r>
-                    </a:p>
-                  </a:txBody>
-                  <a:tcPr anchor="ctr">
-                    <a:solidFill>
-                      <a:schemeClr val="accent2">
-                        <a:lumMod val="60000"/>
-                        <a:lumOff val="40000"/>
-                      </a:schemeClr>
-                    </a:solidFill>
-                  </a:tcPr>
-                </a:tc>
-                <a:tc>
-                  <a:txBody>
-                    <a:bodyPr/>
-                    <a:lstStyle/>
-                    <a:p>
-                      <a:pPr algn="ctr"/>
-                      <a:r>
-                        <a:rPr lang="en-US" sz="1000" dirty="0"/>
-                        <a:t>Age</a:t>
-                      </a:r>
-                    </a:p>
-                    <a:p>
-                      <a:pPr algn="ctr"/>
-                      <a:r>
-                        <a:rPr lang="en-US" sz="1000" dirty="0"/>
-                        <a:t>INT</a:t>
-                      </a:r>
-                    </a:p>
-                  </a:txBody>
-                  <a:tcPr anchor="ctr"/>
-                </a:tc>
-                <a:tc>
-                  <a:txBody>
-                    <a:bodyPr/>
-                    <a:lstStyle/>
-                    <a:p>
-                      <a:pPr algn="ctr"/>
-                      <a:r>
-                        <a:rPr lang="en-US" sz="1000" dirty="0"/>
-                        <a:t>Gender</a:t>
-                      </a:r>
-                      <a:br>
-                        <a:rPr lang="en-US" sz="1000" dirty="0"/>
-                      </a:br>
-                      <a:r>
-                        <a:rPr lang="en-US" sz="1000" dirty="0"/>
-                        <a:t>SMALLINT</a:t>
-                      </a:r>
-                    </a:p>
-                  </a:txBody>
-                  <a:tcPr anchor="ctr"/>
-                </a:tc>
-                <a:tc>
-                  <a:txBody>
-                    <a:bodyPr/>
-                    <a:lstStyle/>
-                    <a:p>
-                      <a:pPr algn="ctr"/>
-                      <a:r>
-                        <a:rPr lang="en-US" sz="1000" dirty="0"/>
-                        <a:t>Birthday</a:t>
-                      </a:r>
-                      <a:br>
-                        <a:rPr lang="en-US" sz="1000" dirty="0"/>
-                      </a:br>
-                      <a:r>
-                        <a:rPr lang="en-US" sz="1000" dirty="0"/>
-                        <a:t>DATE</a:t>
-                      </a:r>
-                    </a:p>
-                  </a:txBody>
-                  <a:tcPr anchor="ctr"/>
-                </a:tc>
-                <a:extLst>
-                  <a:ext uri="{0D108BD9-81ED-4DB2-BD59-A6C34878D82A}">
-                    <a16:rowId xmlns:a16="http://schemas.microsoft.com/office/drawing/2014/main" val="10000"/>
-                  </a:ext>
-                </a:extLst>
-              </a:tr>
-            </a:tbl>
-          </a:graphicData>
-        </a:graphic>
-      </p:graphicFrame>
-      <p:graphicFrame>
-        <p:nvGraphicFramePr>
-          <p:cNvPr id="10" name="Table 9"/>
-          <p:cNvGraphicFramePr>
-            <a:graphicFrameLocks noGrp="1"/>
-          </p:cNvGraphicFramePr>
-          <p:nvPr/>
-        </p:nvGraphicFramePr>
-        <p:xfrm>
-          <a:off x="4143005" y="4623228"/>
-          <a:ext cx="3792809" cy="696917"/>
-        </p:xfrm>
-        <a:graphic>
-          <a:graphicData uri="http://schemas.openxmlformats.org/drawingml/2006/table">
-            <a:tbl>
-              <a:tblPr firstRow="1" bandRow="1">
-                <a:tableStyleId>{69CF1AB2-1976-4502-BF36-3FF5EA218861}</a:tableStyleId>
-              </a:tblPr>
-              <a:tblGrid>
-                <a:gridCol w="665894">
-                  <a:extLst>
-                    <a:ext uri="{9D8B030D-6E8A-4147-A177-3AD203B41FA5}">
-                      <a16:colId xmlns:a16="http://schemas.microsoft.com/office/drawing/2014/main" val="20000"/>
-                    </a:ext>
-                  </a:extLst>
-                </a:gridCol>
-                <a:gridCol w="978360">
-                  <a:extLst>
-                    <a:ext uri="{9D8B030D-6E8A-4147-A177-3AD203B41FA5}">
-                      <a16:colId xmlns:a16="http://schemas.microsoft.com/office/drawing/2014/main" val="20001"/>
-                    </a:ext>
-                  </a:extLst>
-                </a:gridCol>
-                <a:gridCol w="548355">
-                  <a:extLst>
-                    <a:ext uri="{9D8B030D-6E8A-4147-A177-3AD203B41FA5}">
-                      <a16:colId xmlns:a16="http://schemas.microsoft.com/office/drawing/2014/main" val="20002"/>
-                    </a:ext>
-                  </a:extLst>
-                </a:gridCol>
-                <a:gridCol w="852042">
-                  <a:extLst>
-                    <a:ext uri="{9D8B030D-6E8A-4147-A177-3AD203B41FA5}">
-                      <a16:colId xmlns:a16="http://schemas.microsoft.com/office/drawing/2014/main" val="20003"/>
-                    </a:ext>
-                  </a:extLst>
-                </a:gridCol>
-                <a:gridCol w="748158">
-                  <a:extLst>
-                    <a:ext uri="{9D8B030D-6E8A-4147-A177-3AD203B41FA5}">
-                      <a16:colId xmlns:a16="http://schemas.microsoft.com/office/drawing/2014/main" val="20004"/>
-                    </a:ext>
-                  </a:extLst>
-                </a:gridCol>
-              </a:tblGrid>
-              <a:tr h="696917">
-                <a:tc>
-                  <a:txBody>
-                    <a:bodyPr/>
-                    <a:lstStyle/>
-                    <a:p>
-                      <a:pPr algn="ctr"/>
-                      <a:r>
-                        <a:rPr lang="en-US" sz="1000" dirty="0"/>
-                        <a:t>Id</a:t>
-                      </a:r>
-                    </a:p>
-                    <a:p>
-                      <a:pPr algn="ctr"/>
-                      <a:r>
-                        <a:rPr lang="en-US" sz="1000" dirty="0"/>
-                        <a:t>BIGINT</a:t>
-                      </a:r>
-                    </a:p>
-                  </a:txBody>
-                  <a:tcPr anchor="ctr"/>
-                </a:tc>
-                <a:tc>
-                  <a:txBody>
-                    <a:bodyPr/>
-                    <a:lstStyle/>
-                    <a:p>
-                      <a:pPr algn="ctr"/>
-                      <a:r>
-                        <a:rPr lang="en-US" sz="1000" dirty="0"/>
-                        <a:t>Name</a:t>
-                      </a:r>
-                    </a:p>
-                    <a:p>
-                      <a:pPr algn="ctr"/>
-                      <a:r>
-                        <a:rPr lang="en-US" sz="1000" dirty="0"/>
-                        <a:t>CHAR(32)</a:t>
-                      </a:r>
-                    </a:p>
-                  </a:txBody>
-                  <a:tcPr anchor="ctr">
-                    <a:solidFill>
-                      <a:schemeClr val="accent2">
-                        <a:lumMod val="60000"/>
-                        <a:lumOff val="40000"/>
-                      </a:schemeClr>
-                    </a:solidFill>
-                  </a:tcPr>
-                </a:tc>
-                <a:tc>
-                  <a:txBody>
-                    <a:bodyPr/>
-                    <a:lstStyle/>
-                    <a:p>
-                      <a:pPr algn="ctr"/>
-                      <a:r>
-                        <a:rPr lang="en-US" sz="1000" dirty="0"/>
-                        <a:t>Age</a:t>
-                      </a:r>
-                    </a:p>
-                    <a:p>
-                      <a:pPr algn="ctr"/>
-                      <a:r>
-                        <a:rPr lang="en-US" sz="1000" dirty="0"/>
-                        <a:t>INT</a:t>
-                      </a:r>
-                    </a:p>
-                  </a:txBody>
-                  <a:tcPr anchor="ctr"/>
-                </a:tc>
-                <a:tc>
-                  <a:txBody>
-                    <a:bodyPr/>
-                    <a:lstStyle/>
-                    <a:p>
-                      <a:pPr algn="ctr"/>
-                      <a:r>
-                        <a:rPr lang="en-US" sz="1000" dirty="0"/>
-                        <a:t>Gender</a:t>
-                      </a:r>
-                      <a:br>
-                        <a:rPr lang="en-US" sz="1000" dirty="0"/>
-                      </a:br>
-                      <a:r>
-                        <a:rPr lang="en-US" sz="1000" dirty="0"/>
-                        <a:t>SMALLINT</a:t>
-                      </a:r>
-                    </a:p>
-                  </a:txBody>
-                  <a:tcPr anchor="ctr"/>
-                </a:tc>
-                <a:tc>
-                  <a:txBody>
-                    <a:bodyPr/>
-                    <a:lstStyle/>
-                    <a:p>
-                      <a:pPr algn="ctr"/>
-                      <a:r>
-                        <a:rPr lang="en-US" sz="1000" dirty="0"/>
-                        <a:t>Birthday</a:t>
-                      </a:r>
-                      <a:br>
-                        <a:rPr lang="en-US" sz="1000" dirty="0"/>
-                      </a:br>
-                      <a:r>
-                        <a:rPr lang="en-US" sz="1000" dirty="0"/>
-                        <a:t>DATE</a:t>
-                      </a:r>
-                    </a:p>
-                  </a:txBody>
-                  <a:tcPr anchor="ctr"/>
-                </a:tc>
-                <a:extLst>
-                  <a:ext uri="{0D108BD9-81ED-4DB2-BD59-A6C34878D82A}">
-                    <a16:rowId xmlns:a16="http://schemas.microsoft.com/office/drawing/2014/main" val="10000"/>
-                  </a:ext>
-                </a:extLst>
-              </a:tr>
-            </a:tbl>
-          </a:graphicData>
-        </a:graphic>
-      </p:graphicFrame>
-      <p:graphicFrame>
-        <p:nvGraphicFramePr>
-          <p:cNvPr id="11" name="Table 10"/>
-          <p:cNvGraphicFramePr>
-            <a:graphicFrameLocks noGrp="1"/>
-          </p:cNvGraphicFramePr>
-          <p:nvPr/>
-        </p:nvGraphicFramePr>
-        <p:xfrm>
-          <a:off x="7935814" y="4623228"/>
-          <a:ext cx="3792809" cy="696917"/>
-        </p:xfrm>
-        <a:graphic>
-          <a:graphicData uri="http://schemas.openxmlformats.org/drawingml/2006/table">
-            <a:tbl>
-              <a:tblPr firstRow="1" bandRow="1">
-                <a:tableStyleId>{69CF1AB2-1976-4502-BF36-3FF5EA218861}</a:tableStyleId>
-              </a:tblPr>
-              <a:tblGrid>
-                <a:gridCol w="665894">
-                  <a:extLst>
-                    <a:ext uri="{9D8B030D-6E8A-4147-A177-3AD203B41FA5}">
-                      <a16:colId xmlns:a16="http://schemas.microsoft.com/office/drawing/2014/main" val="20000"/>
-                    </a:ext>
-                  </a:extLst>
-                </a:gridCol>
-                <a:gridCol w="978360">
-                  <a:extLst>
-                    <a:ext uri="{9D8B030D-6E8A-4147-A177-3AD203B41FA5}">
-                      <a16:colId xmlns:a16="http://schemas.microsoft.com/office/drawing/2014/main" val="20001"/>
-                    </a:ext>
-                  </a:extLst>
-                </a:gridCol>
-                <a:gridCol w="548355">
-                  <a:extLst>
-                    <a:ext uri="{9D8B030D-6E8A-4147-A177-3AD203B41FA5}">
-                      <a16:colId xmlns:a16="http://schemas.microsoft.com/office/drawing/2014/main" val="20002"/>
-                    </a:ext>
-                  </a:extLst>
-                </a:gridCol>
-                <a:gridCol w="852042">
-                  <a:extLst>
-                    <a:ext uri="{9D8B030D-6E8A-4147-A177-3AD203B41FA5}">
-                      <a16:colId xmlns:a16="http://schemas.microsoft.com/office/drawing/2014/main" val="20003"/>
-                    </a:ext>
-                  </a:extLst>
-                </a:gridCol>
-                <a:gridCol w="748158">
-                  <a:extLst>
-                    <a:ext uri="{9D8B030D-6E8A-4147-A177-3AD203B41FA5}">
-                      <a16:colId xmlns:a16="http://schemas.microsoft.com/office/drawing/2014/main" val="20004"/>
-                    </a:ext>
-                  </a:extLst>
-                </a:gridCol>
-              </a:tblGrid>
-              <a:tr h="696917">
-                <a:tc>
-                  <a:txBody>
-                    <a:bodyPr/>
-                    <a:lstStyle/>
-                    <a:p>
-                      <a:pPr algn="ctr"/>
-                      <a:r>
-                        <a:rPr lang="en-US" sz="1000" dirty="0"/>
-                        <a:t>Id</a:t>
-                      </a:r>
-                    </a:p>
-                    <a:p>
-                      <a:pPr algn="ctr"/>
-                      <a:r>
-                        <a:rPr lang="en-US" sz="1000" dirty="0"/>
-                        <a:t>BIGINT</a:t>
-                      </a:r>
-                    </a:p>
-                  </a:txBody>
-                  <a:tcPr anchor="ctr"/>
-                </a:tc>
-                <a:tc>
-                  <a:txBody>
-                    <a:bodyPr/>
-                    <a:lstStyle/>
-                    <a:p>
-                      <a:pPr algn="ctr"/>
-                      <a:r>
-                        <a:rPr lang="en-US" sz="1000" dirty="0"/>
-                        <a:t>Name</a:t>
-                      </a:r>
-                    </a:p>
-                    <a:p>
-                      <a:pPr algn="ctr"/>
-                      <a:r>
-                        <a:rPr lang="en-US" sz="1000" dirty="0"/>
-                        <a:t>CHAR(32)</a:t>
-                      </a:r>
-                    </a:p>
-                  </a:txBody>
-                  <a:tcPr anchor="ctr">
-                    <a:solidFill>
-                      <a:schemeClr val="accent2">
-                        <a:lumMod val="60000"/>
-                        <a:lumOff val="40000"/>
-                      </a:schemeClr>
-                    </a:solidFill>
-                  </a:tcPr>
-                </a:tc>
-                <a:tc>
-                  <a:txBody>
-                    <a:bodyPr/>
-                    <a:lstStyle/>
-                    <a:p>
-                      <a:pPr algn="ctr"/>
-                      <a:r>
-                        <a:rPr lang="en-US" sz="1000" dirty="0"/>
-                        <a:t>Age</a:t>
-                      </a:r>
-                    </a:p>
-                    <a:p>
-                      <a:pPr algn="ctr"/>
-                      <a:r>
-                        <a:rPr lang="en-US" sz="1000" dirty="0"/>
-                        <a:t>INT</a:t>
-                      </a:r>
-                    </a:p>
-                  </a:txBody>
-                  <a:tcPr anchor="ctr"/>
-                </a:tc>
-                <a:tc>
-                  <a:txBody>
-                    <a:bodyPr/>
-                    <a:lstStyle/>
-                    <a:p>
-                      <a:pPr algn="ctr"/>
-                      <a:r>
-                        <a:rPr lang="en-US" sz="1000" dirty="0"/>
-                        <a:t>Gender</a:t>
-                      </a:r>
-                      <a:br>
-                        <a:rPr lang="en-US" sz="1000" dirty="0"/>
-                      </a:br>
-                      <a:r>
-                        <a:rPr lang="en-US" sz="1000" dirty="0"/>
-                        <a:t>SMALLINT</a:t>
-                      </a:r>
-                    </a:p>
-                  </a:txBody>
-                  <a:tcPr anchor="ctr"/>
-                </a:tc>
-                <a:tc>
-                  <a:txBody>
-                    <a:bodyPr/>
-                    <a:lstStyle/>
-                    <a:p>
-                      <a:pPr algn="ctr"/>
-                      <a:r>
-                        <a:rPr lang="en-US" sz="1000" dirty="0"/>
-                        <a:t>Birthday</a:t>
-                      </a:r>
-                      <a:br>
-                        <a:rPr lang="en-US" sz="1000" dirty="0"/>
-                      </a:br>
-                      <a:r>
-                        <a:rPr lang="en-US" sz="1000" dirty="0"/>
-                        <a:t>DATE</a:t>
-                      </a:r>
-                    </a:p>
-                  </a:txBody>
-                  <a:tcPr anchor="ctr"/>
-                </a:tc>
-                <a:extLst>
-                  <a:ext uri="{0D108BD9-81ED-4DB2-BD59-A6C34878D82A}">
-                    <a16:rowId xmlns:a16="http://schemas.microsoft.com/office/drawing/2014/main" val="10000"/>
-                  </a:ext>
-                </a:extLst>
-              </a:tr>
-            </a:tbl>
-          </a:graphicData>
-        </a:graphic>
-      </p:graphicFrame>
+      </p:pic>
     </p:spTree>
     <p:extLst>
       <p:ext uri="{BB962C8B-B14F-4D97-AF65-F5344CB8AC3E}">
-        <p14:creationId xmlns:p14="http://schemas.microsoft.com/office/powerpoint/2010/main" val="957586100"/>
+        <p14:creationId xmlns:p14="http://schemas.microsoft.com/office/powerpoint/2010/main" val="335269623"/>
       </p:ext>
     </p:extLst>
   </p:cSld>
